--- a/mysql_doc/db 현재의 스키마.pptx
+++ b/mysql_doc/db 현재의 스키마.pptx
@@ -245,7 +245,7 @@
           <a:p>
             <a:fld id="{8637FA06-7859-4812-AEA6-560AE18837FA}" type="datetimeFigureOut">
               <a:rPr lang="ko-KR" altLang="en-US" smtClean="0"/>
-              <a:t>2018-07-03</a:t>
+              <a:t>2018-07-06</a:t>
             </a:fld>
             <a:endParaRPr lang="ko-KR" altLang="en-US"/>
           </a:p>
@@ -415,7 +415,7 @@
           <a:p>
             <a:fld id="{8637FA06-7859-4812-AEA6-560AE18837FA}" type="datetimeFigureOut">
               <a:rPr lang="ko-KR" altLang="en-US" smtClean="0"/>
-              <a:t>2018-07-03</a:t>
+              <a:t>2018-07-06</a:t>
             </a:fld>
             <a:endParaRPr lang="ko-KR" altLang="en-US"/>
           </a:p>
@@ -595,7 +595,7 @@
           <a:p>
             <a:fld id="{8637FA06-7859-4812-AEA6-560AE18837FA}" type="datetimeFigureOut">
               <a:rPr lang="ko-KR" altLang="en-US" smtClean="0"/>
-              <a:t>2018-07-03</a:t>
+              <a:t>2018-07-06</a:t>
             </a:fld>
             <a:endParaRPr lang="ko-KR" altLang="en-US"/>
           </a:p>
@@ -765,7 +765,7 @@
           <a:p>
             <a:fld id="{8637FA06-7859-4812-AEA6-560AE18837FA}" type="datetimeFigureOut">
               <a:rPr lang="ko-KR" altLang="en-US" smtClean="0"/>
-              <a:t>2018-07-03</a:t>
+              <a:t>2018-07-06</a:t>
             </a:fld>
             <a:endParaRPr lang="ko-KR" altLang="en-US"/>
           </a:p>
@@ -1011,7 +1011,7 @@
           <a:p>
             <a:fld id="{8637FA06-7859-4812-AEA6-560AE18837FA}" type="datetimeFigureOut">
               <a:rPr lang="ko-KR" altLang="en-US" smtClean="0"/>
-              <a:t>2018-07-03</a:t>
+              <a:t>2018-07-06</a:t>
             </a:fld>
             <a:endParaRPr lang="ko-KR" altLang="en-US"/>
           </a:p>
@@ -1243,7 +1243,7 @@
           <a:p>
             <a:fld id="{8637FA06-7859-4812-AEA6-560AE18837FA}" type="datetimeFigureOut">
               <a:rPr lang="ko-KR" altLang="en-US" smtClean="0"/>
-              <a:t>2018-07-03</a:t>
+              <a:t>2018-07-06</a:t>
             </a:fld>
             <a:endParaRPr lang="ko-KR" altLang="en-US"/>
           </a:p>
@@ -1610,7 +1610,7 @@
           <a:p>
             <a:fld id="{8637FA06-7859-4812-AEA6-560AE18837FA}" type="datetimeFigureOut">
               <a:rPr lang="ko-KR" altLang="en-US" smtClean="0"/>
-              <a:t>2018-07-03</a:t>
+              <a:t>2018-07-06</a:t>
             </a:fld>
             <a:endParaRPr lang="ko-KR" altLang="en-US"/>
           </a:p>
@@ -1728,7 +1728,7 @@
           <a:p>
             <a:fld id="{8637FA06-7859-4812-AEA6-560AE18837FA}" type="datetimeFigureOut">
               <a:rPr lang="ko-KR" altLang="en-US" smtClean="0"/>
-              <a:t>2018-07-03</a:t>
+              <a:t>2018-07-06</a:t>
             </a:fld>
             <a:endParaRPr lang="ko-KR" altLang="en-US"/>
           </a:p>
@@ -1823,7 +1823,7 @@
           <a:p>
             <a:fld id="{8637FA06-7859-4812-AEA6-560AE18837FA}" type="datetimeFigureOut">
               <a:rPr lang="ko-KR" altLang="en-US" smtClean="0"/>
-              <a:t>2018-07-03</a:t>
+              <a:t>2018-07-06</a:t>
             </a:fld>
             <a:endParaRPr lang="ko-KR" altLang="en-US"/>
           </a:p>
@@ -2100,7 +2100,7 @@
           <a:p>
             <a:fld id="{8637FA06-7859-4812-AEA6-560AE18837FA}" type="datetimeFigureOut">
               <a:rPr lang="ko-KR" altLang="en-US" smtClean="0"/>
-              <a:t>2018-07-03</a:t>
+              <a:t>2018-07-06</a:t>
             </a:fld>
             <a:endParaRPr lang="ko-KR" altLang="en-US"/>
           </a:p>
@@ -2353,7 +2353,7 @@
           <a:p>
             <a:fld id="{8637FA06-7859-4812-AEA6-560AE18837FA}" type="datetimeFigureOut">
               <a:rPr lang="ko-KR" altLang="en-US" smtClean="0"/>
-              <a:t>2018-07-03</a:t>
+              <a:t>2018-07-06</a:t>
             </a:fld>
             <a:endParaRPr lang="ko-KR" altLang="en-US"/>
           </a:p>
@@ -2566,7 +2566,7 @@
           <a:p>
             <a:fld id="{8637FA06-7859-4812-AEA6-560AE18837FA}" type="datetimeFigureOut">
               <a:rPr lang="ko-KR" altLang="en-US" smtClean="0"/>
-              <a:t>2018-07-03</a:t>
+              <a:t>2018-07-06</a:t>
             </a:fld>
             <a:endParaRPr lang="ko-KR" altLang="en-US"/>
           </a:p>
@@ -3057,13 +3057,14 @@
               <a:t>: </a:t>
             </a:r>
             <a:r>
-              <a:rPr lang="ko-KR" altLang="en-US" sz="1600" dirty="0" smtClean="0"/>
-              <a:t>그림 그리다 알게 된 있었어야 했는데 미 구현 한 것</a:t>
+              <a:rPr lang="ko-KR" altLang="en-US" sz="1600" dirty="0" err="1" smtClean="0"/>
+              <a:t>삭제할것</a:t>
             </a:r>
             <a:r>
               <a:rPr lang="en-US" altLang="ko-KR" sz="1600" dirty="0" smtClean="0"/>
               <a:t> </a:t>
             </a:r>
+            <a:endParaRPr lang="en-US" altLang="ko-KR" sz="1600" dirty="0" smtClean="0"/>
           </a:p>
           <a:p>
             <a:pPr algn="l"/>
@@ -3121,6 +3122,13 @@
   <p:clrMapOvr>
     <a:masterClrMapping/>
   </p:clrMapOvr>
+  <p:timing>
+    <p:tnLst>
+      <p:par>
+        <p:cTn id="1" dur="indefinite" restart="never" nodeType="tmRoot"/>
+      </p:par>
+    </p:tnLst>
+  </p:timing>
 </p:sld>
 </file>
 
@@ -3713,14 +3721,14 @@
           <p:nvPr>
             <p:extLst>
               <p:ext uri="{D42A27DB-BD31-4B8C-83A1-F6EECF244321}">
-                <p14:modId xmlns:p14="http://schemas.microsoft.com/office/powerpoint/2010/main" val="2695475307"/>
+                <p14:modId xmlns:p14="http://schemas.microsoft.com/office/powerpoint/2010/main" val="2650434022"/>
               </p:ext>
             </p:extLst>
           </p:nvPr>
         </p:nvGraphicFramePr>
         <p:xfrm>
-          <a:off x="9553692" y="3898394"/>
-          <a:ext cx="1572258" cy="1177715"/>
+          <a:off x="9122499" y="171706"/>
+          <a:ext cx="2065308" cy="1594370"/>
         </p:xfrm>
         <a:graphic>
           <a:graphicData uri="http://schemas.openxmlformats.org/drawingml/2006/table">
@@ -3729,11 +3737,11 @@
                 <a:tableStyleId>{5C22544A-7EE6-4342-B048-85BDC9FD1C3A}</a:tableStyleId>
               </a:tblPr>
               <a:tblGrid>
-                <a:gridCol w="741679"/>
-                <a:gridCol w="396240"/>
-                <a:gridCol w="434339"/>
+                <a:gridCol w="993592"/>
+                <a:gridCol w="675192"/>
+                <a:gridCol w="396524"/>
               </a:tblGrid>
-              <a:tr h="365411">
+              <a:tr h="243011">
                 <a:tc gridSpan="3">
                   <a:txBody>
                     <a:bodyPr/>
@@ -3743,14 +3751,14 @@
                       <a:r>
                         <a:rPr lang="en-US" altLang="ko-KR" sz="1000" dirty="0" smtClean="0">
                           <a:solidFill>
-                            <a:srgbClr val="7030A0"/>
+                            <a:schemeClr val="tx1"/>
                           </a:solidFill>
                         </a:rPr>
-                        <a:t>user</a:t>
+                        <a:t>User</a:t>
                       </a:r>
                       <a:endParaRPr lang="ko-KR" altLang="en-US" sz="1000" dirty="0">
                         <a:solidFill>
-                          <a:srgbClr val="7030A0"/>
+                          <a:schemeClr val="tx1"/>
                         </a:solidFill>
                       </a:endParaRPr>
                     </a:p>
@@ -3780,7 +3788,7 @@
                   <a:tcPr/>
                 </a:tc>
               </a:tr>
-              <a:tr h="406152">
+              <a:tr h="270106">
                 <a:tc>
                   <a:txBody>
                     <a:bodyPr/>
@@ -3790,14 +3798,14 @@
                       <a:r>
                         <a:rPr lang="en-US" altLang="ko-KR" sz="800" dirty="0" err="1" smtClean="0">
                           <a:solidFill>
-                            <a:srgbClr val="7030A0"/>
+                            <a:schemeClr val="tx1"/>
                           </a:solidFill>
                         </a:rPr>
                         <a:t>User_number</a:t>
                       </a:r>
                       <a:endParaRPr lang="ko-KR" altLang="en-US" sz="800" dirty="0">
                         <a:solidFill>
-                          <a:srgbClr val="7030A0"/>
+                          <a:schemeClr val="tx1"/>
                         </a:solidFill>
                       </a:endParaRPr>
                     </a:p>
@@ -3813,14 +3821,14 @@
                       <a:r>
                         <a:rPr lang="en-US" altLang="ko-KR" sz="800" dirty="0" err="1" smtClean="0">
                           <a:solidFill>
-                            <a:srgbClr val="7030A0"/>
+                            <a:schemeClr val="tx1"/>
                           </a:solidFill>
                         </a:rPr>
                         <a:t>Int</a:t>
                       </a:r>
                       <a:endParaRPr lang="ko-KR" altLang="en-US" sz="800" dirty="0">
                         <a:solidFill>
-                          <a:srgbClr val="7030A0"/>
+                          <a:schemeClr val="tx1"/>
                         </a:solidFill>
                       </a:endParaRPr>
                     </a:p>
@@ -3836,14 +3844,14 @@
                       <a:r>
                         <a:rPr lang="en-US" altLang="ko-KR" sz="800" dirty="0" err="1" smtClean="0">
                           <a:solidFill>
-                            <a:srgbClr val="7030A0"/>
+                            <a:schemeClr val="tx1"/>
                           </a:solidFill>
                         </a:rPr>
                         <a:t>pk</a:t>
                       </a:r>
                       <a:endParaRPr lang="ko-KR" altLang="en-US" sz="800" dirty="0">
                         <a:solidFill>
-                          <a:srgbClr val="7030A0"/>
+                          <a:schemeClr val="tx1"/>
                         </a:solidFill>
                       </a:endParaRPr>
                     </a:p>
@@ -3851,16 +3859,55 @@
                   <a:tcPr/>
                 </a:tc>
               </a:tr>
-              <a:tr h="406152">
-                <a:tc>
-                  <a:txBody>
-                    <a:bodyPr/>
-                    <a:lstStyle/>
-                    <a:p>
-                      <a:pPr latinLnBrk="1"/>
+              <a:tr h="270106">
+                <a:tc>
+                  <a:txBody>
+                    <a:bodyPr/>
+                    <a:lstStyle/>
+                    <a:p>
+                      <a:pPr latinLnBrk="1"/>
+                      <a:r>
+                        <a:rPr lang="en-US" altLang="ko-KR" sz="800" dirty="0" err="1" smtClean="0">
+                          <a:solidFill>
+                            <a:schemeClr val="tx1"/>
+                          </a:solidFill>
+                        </a:rPr>
+                        <a:t>User_id</a:t>
+                      </a:r>
+                      <a:endParaRPr lang="en-US" altLang="ko-KR" sz="800" dirty="0" smtClean="0">
+                        <a:solidFill>
+                          <a:schemeClr val="tx1"/>
+                        </a:solidFill>
+                      </a:endParaRPr>
+                    </a:p>
+                  </a:txBody>
+                  <a:tcPr/>
+                </a:tc>
+                <a:tc>
+                  <a:txBody>
+                    <a:bodyPr/>
+                    <a:lstStyle/>
+                    <a:p>
+                      <a:pPr latinLnBrk="1"/>
+                      <a:r>
+                        <a:rPr lang="en-US" altLang="ko-KR" sz="800" dirty="0" err="1" smtClean="0">
+                          <a:solidFill>
+                            <a:schemeClr val="tx1"/>
+                          </a:solidFill>
+                        </a:rPr>
+                        <a:t>Int</a:t>
+                      </a:r>
+                      <a:r>
+                        <a:rPr lang="en-US" altLang="ko-KR" sz="800" dirty="0" smtClean="0">
+                          <a:solidFill>
+                            <a:schemeClr val="tx1"/>
+                          </a:solidFill>
+                        </a:rPr>
+                        <a:t>(30)</a:t>
+                      </a:r>
                       <a:endParaRPr lang="ko-KR" altLang="en-US" sz="800" dirty="0">
                         <a:solidFill>
-                          <a:srgbClr val="7030A0"/>
+                          <a:schemeClr val="tx1"/>
                         </a:solidFill>
                       </a:endParaRPr>
                     </a:p>
@@ -3875,22 +3922,199 @@
                       <a:pPr latinLnBrk="1"/>
                       <a:endParaRPr lang="ko-KR" altLang="en-US" sz="800" dirty="0">
                         <a:solidFill>
-                          <a:srgbClr val="7030A0"/>
+                          <a:schemeClr val="tx1"/>
                         </a:solidFill>
                       </a:endParaRPr>
                     </a:p>
                   </a:txBody>
                   <a:tcPr/>
                 </a:tc>
-                <a:tc>
-                  <a:txBody>
-                    <a:bodyPr/>
-                    <a:lstStyle/>
-                    <a:p>
-                      <a:pPr latinLnBrk="1"/>
+              </a:tr>
+              <a:tr h="270106">
+                <a:tc>
+                  <a:txBody>
+                    <a:bodyPr/>
+                    <a:lstStyle/>
+                    <a:p>
+                      <a:pPr latinLnBrk="1"/>
+                      <a:r>
+                        <a:rPr lang="en-US" altLang="ko-KR" sz="800" dirty="0" err="1" smtClean="0">
+                          <a:solidFill>
+                            <a:schemeClr val="tx1"/>
+                          </a:solidFill>
+                        </a:rPr>
+                        <a:t>User_name</a:t>
+                      </a:r>
+                      <a:endParaRPr lang="en-US" altLang="ko-KR" sz="800" dirty="0" smtClean="0">
+                        <a:solidFill>
+                          <a:schemeClr val="tx1"/>
+                        </a:solidFill>
+                      </a:endParaRPr>
+                    </a:p>
+                  </a:txBody>
+                  <a:tcPr/>
+                </a:tc>
+                <a:tc>
+                  <a:txBody>
+                    <a:bodyPr/>
+                    <a:lstStyle/>
+                    <a:p>
+                      <a:pPr latinLnBrk="1"/>
+                      <a:r>
+                        <a:rPr lang="en-US" altLang="ko-KR" sz="800" dirty="0" smtClean="0">
+                          <a:solidFill>
+                            <a:schemeClr val="tx1"/>
+                          </a:solidFill>
+                        </a:rPr>
+                        <a:t>Varchar(20)</a:t>
+                      </a:r>
                       <a:endParaRPr lang="ko-KR" altLang="en-US" sz="800" dirty="0">
                         <a:solidFill>
-                          <a:srgbClr val="7030A0"/>
+                          <a:schemeClr val="tx1"/>
+                        </a:solidFill>
+                      </a:endParaRPr>
+                    </a:p>
+                  </a:txBody>
+                  <a:tcPr/>
+                </a:tc>
+                <a:tc>
+                  <a:txBody>
+                    <a:bodyPr/>
+                    <a:lstStyle/>
+                    <a:p>
+                      <a:pPr latinLnBrk="1"/>
+                      <a:endParaRPr lang="ko-KR" altLang="en-US" sz="800" dirty="0">
+                        <a:solidFill>
+                          <a:schemeClr val="tx1"/>
+                        </a:solidFill>
+                      </a:endParaRPr>
+                    </a:p>
+                  </a:txBody>
+                  <a:tcPr/>
+                </a:tc>
+              </a:tr>
+              <a:tr h="270106">
+                <a:tc>
+                  <a:txBody>
+                    <a:bodyPr/>
+                    <a:lstStyle/>
+                    <a:p>
+                      <a:pPr latinLnBrk="1"/>
+                      <a:r>
+                        <a:rPr lang="en-US" altLang="ko-KR" sz="800" dirty="0" err="1" smtClean="0">
+                          <a:solidFill>
+                            <a:schemeClr val="tx1"/>
+                          </a:solidFill>
+                        </a:rPr>
+                        <a:t>User_password</a:t>
+                      </a:r>
+                      <a:endParaRPr lang="en-US" altLang="ko-KR" sz="800" dirty="0" smtClean="0">
+                        <a:solidFill>
+                          <a:schemeClr val="tx1"/>
+                        </a:solidFill>
+                      </a:endParaRPr>
+                    </a:p>
+                  </a:txBody>
+                  <a:tcPr/>
+                </a:tc>
+                <a:tc>
+                  <a:txBody>
+                    <a:bodyPr/>
+                    <a:lstStyle/>
+                    <a:p>
+                      <a:pPr latinLnBrk="1"/>
+                      <a:r>
+                        <a:rPr lang="en-US" altLang="ko-KR" sz="800" dirty="0" smtClean="0">
+                          <a:solidFill>
+                            <a:schemeClr val="tx1"/>
+                          </a:solidFill>
+                        </a:rPr>
+                        <a:t>Varchar(30)</a:t>
+                      </a:r>
+                      <a:endParaRPr lang="ko-KR" altLang="en-US" sz="800" dirty="0">
+                        <a:solidFill>
+                          <a:schemeClr val="tx1"/>
+                        </a:solidFill>
+                      </a:endParaRPr>
+                    </a:p>
+                  </a:txBody>
+                  <a:tcPr/>
+                </a:tc>
+                <a:tc>
+                  <a:txBody>
+                    <a:bodyPr/>
+                    <a:lstStyle/>
+                    <a:p>
+                      <a:pPr latinLnBrk="1"/>
+                      <a:endParaRPr lang="ko-KR" altLang="en-US" sz="800" dirty="0">
+                        <a:solidFill>
+                          <a:schemeClr val="tx1"/>
+                        </a:solidFill>
+                      </a:endParaRPr>
+                    </a:p>
+                  </a:txBody>
+                  <a:tcPr/>
+                </a:tc>
+              </a:tr>
+              <a:tr h="270106">
+                <a:tc>
+                  <a:txBody>
+                    <a:bodyPr/>
+                    <a:lstStyle/>
+                    <a:p>
+                      <a:pPr latinLnBrk="1"/>
+                      <a:r>
+                        <a:rPr lang="en-US" altLang="ko-KR" sz="800" dirty="0" smtClean="0">
+                          <a:solidFill>
+                            <a:schemeClr val="tx1"/>
+                          </a:solidFill>
+                        </a:rPr>
+                        <a:t>Role</a:t>
+                      </a:r>
+                    </a:p>
+                  </a:txBody>
+                  <a:tcPr/>
+                </a:tc>
+                <a:tc>
+                  <a:txBody>
+                    <a:bodyPr/>
+                    <a:lstStyle/>
+                    <a:p>
+                      <a:pPr latinLnBrk="1"/>
+                      <a:r>
+                        <a:rPr lang="en-US" altLang="ko-KR" sz="800" dirty="0" err="1" smtClean="0">
+                          <a:solidFill>
+                            <a:schemeClr val="tx1"/>
+                          </a:solidFill>
+                        </a:rPr>
+                        <a:t>Int</a:t>
+                      </a:r>
+                      <a:r>
+                        <a:rPr lang="en-US" altLang="ko-KR" sz="800" dirty="0" smtClean="0">
+                          <a:solidFill>
+                            <a:schemeClr val="tx1"/>
+                          </a:solidFill>
+                        </a:rPr>
+                        <a:t>(11)</a:t>
+                      </a:r>
+                      <a:endParaRPr lang="ko-KR" altLang="en-US" sz="800" dirty="0">
+                        <a:solidFill>
+                          <a:schemeClr val="tx1"/>
+                        </a:solidFill>
+                      </a:endParaRPr>
+                    </a:p>
+                  </a:txBody>
+                  <a:tcPr/>
+                </a:tc>
+                <a:tc>
+                  <a:txBody>
+                    <a:bodyPr/>
+                    <a:lstStyle/>
+                    <a:p>
+                      <a:pPr latinLnBrk="1"/>
+                      <a:endParaRPr lang="ko-KR" altLang="en-US" sz="800" dirty="0">
+                        <a:solidFill>
+                          <a:schemeClr val="tx1"/>
                         </a:solidFill>
                       </a:endParaRPr>
                     </a:p>
@@ -3911,13 +4135,13 @@
           <p:nvPr>
             <p:extLst>
               <p:ext uri="{D42A27DB-BD31-4B8C-83A1-F6EECF244321}">
-                <p14:modId xmlns:p14="http://schemas.microsoft.com/office/powerpoint/2010/main" val="2971291056"/>
+                <p14:modId xmlns:p14="http://schemas.microsoft.com/office/powerpoint/2010/main" val="1501082966"/>
               </p:ext>
             </p:extLst>
           </p:nvPr>
         </p:nvGraphicFramePr>
         <p:xfrm>
-          <a:off x="6757789" y="5076109"/>
+          <a:off x="5752110" y="5130488"/>
           <a:ext cx="2192245" cy="1407069"/>
         </p:xfrm>
         <a:graphic>
@@ -4171,13 +4395,13 @@
           <p:nvPr>
             <p:extLst>
               <p:ext uri="{D42A27DB-BD31-4B8C-83A1-F6EECF244321}">
-                <p14:modId xmlns:p14="http://schemas.microsoft.com/office/powerpoint/2010/main" val="3777126056"/>
+                <p14:modId xmlns:p14="http://schemas.microsoft.com/office/powerpoint/2010/main" val="3491157297"/>
               </p:ext>
             </p:extLst>
           </p:nvPr>
         </p:nvGraphicFramePr>
         <p:xfrm>
-          <a:off x="4759965" y="4711545"/>
+          <a:off x="3686476" y="4940390"/>
           <a:ext cx="1572258" cy="1526293"/>
         </p:xfrm>
         <a:graphic>
@@ -4201,14 +4425,14 @@
                       <a:r>
                         <a:rPr lang="en-US" altLang="ko-KR" sz="1000" dirty="0" err="1" smtClean="0">
                           <a:solidFill>
-                            <a:srgbClr val="7030A0"/>
+                            <a:schemeClr val="tx1"/>
                           </a:solidFill>
                         </a:rPr>
                         <a:t>Surgery_schedule</a:t>
                       </a:r>
                       <a:endParaRPr lang="ko-KR" altLang="en-US" sz="1000" dirty="0">
                         <a:solidFill>
-                          <a:srgbClr val="7030A0"/>
+                          <a:schemeClr val="tx1"/>
                         </a:solidFill>
                       </a:endParaRPr>
                     </a:p>
@@ -4248,14 +4472,14 @@
                       <a:r>
                         <a:rPr lang="en-US" altLang="ko-KR" sz="800" dirty="0" err="1" smtClean="0">
                           <a:solidFill>
-                            <a:srgbClr val="7030A0"/>
+                            <a:schemeClr val="tx1"/>
                           </a:solidFill>
                         </a:rPr>
                         <a:t>Surgery_schedule_id</a:t>
                       </a:r>
                       <a:endParaRPr lang="ko-KR" altLang="en-US" sz="800" dirty="0">
                         <a:solidFill>
-                          <a:srgbClr val="7030A0"/>
+                          <a:schemeClr val="tx1"/>
                         </a:solidFill>
                       </a:endParaRPr>
                     </a:p>
@@ -4271,14 +4495,14 @@
                       <a:r>
                         <a:rPr lang="en-US" altLang="ko-KR" sz="800" dirty="0" err="1" smtClean="0">
                           <a:solidFill>
-                            <a:srgbClr val="7030A0"/>
+                            <a:schemeClr val="tx1"/>
                           </a:solidFill>
                         </a:rPr>
                         <a:t>Int</a:t>
                       </a:r>
                       <a:endParaRPr lang="ko-KR" altLang="en-US" sz="800" dirty="0">
                         <a:solidFill>
-                          <a:srgbClr val="7030A0"/>
+                          <a:schemeClr val="tx1"/>
                         </a:solidFill>
                       </a:endParaRPr>
                     </a:p>
@@ -4294,14 +4518,14 @@
                       <a:r>
                         <a:rPr lang="en-US" altLang="ko-KR" sz="800" dirty="0" err="1" smtClean="0">
                           <a:solidFill>
-                            <a:srgbClr val="7030A0"/>
+                            <a:schemeClr val="tx1"/>
                           </a:solidFill>
                         </a:rPr>
                         <a:t>pk</a:t>
                       </a:r>
                       <a:endParaRPr lang="ko-KR" altLang="en-US" sz="800" dirty="0">
                         <a:solidFill>
-                          <a:srgbClr val="7030A0"/>
+                          <a:schemeClr val="tx1"/>
                         </a:solidFill>
                       </a:endParaRPr>
                     </a:p>
@@ -4319,14 +4543,14 @@
                       <a:r>
                         <a:rPr lang="en-US" altLang="ko-KR" sz="800" dirty="0" err="1" smtClean="0">
                           <a:solidFill>
-                            <a:srgbClr val="7030A0"/>
+                            <a:schemeClr val="tx1"/>
                           </a:solidFill>
                         </a:rPr>
                         <a:t>Patient_id</a:t>
                       </a:r>
                       <a:endParaRPr lang="ko-KR" altLang="en-US" sz="800" dirty="0">
                         <a:solidFill>
-                          <a:srgbClr val="7030A0"/>
+                          <a:schemeClr val="tx1"/>
                         </a:solidFill>
                       </a:endParaRPr>
                     </a:p>
@@ -4342,14 +4566,14 @@
                       <a:r>
                         <a:rPr lang="en-US" altLang="ko-KR" sz="800" dirty="0" err="1" smtClean="0">
                           <a:solidFill>
-                            <a:srgbClr val="7030A0"/>
+                            <a:schemeClr val="tx1"/>
                           </a:solidFill>
                         </a:rPr>
                         <a:t>Int</a:t>
                       </a:r>
                       <a:endParaRPr lang="ko-KR" altLang="en-US" sz="800" dirty="0">
                         <a:solidFill>
-                          <a:srgbClr val="7030A0"/>
+                          <a:schemeClr val="tx1"/>
                         </a:solidFill>
                       </a:endParaRPr>
                     </a:p>
@@ -4365,14 +4589,14 @@
                       <a:r>
                         <a:rPr lang="en-US" altLang="ko-KR" sz="800" dirty="0" smtClean="0">
                           <a:solidFill>
-                            <a:srgbClr val="7030A0"/>
+                            <a:schemeClr val="tx1"/>
                           </a:solidFill>
                         </a:rPr>
                         <a:t>FK</a:t>
                       </a:r>
                       <a:endParaRPr lang="ko-KR" altLang="en-US" sz="800" dirty="0">
                         <a:solidFill>
-                          <a:srgbClr val="7030A0"/>
+                          <a:schemeClr val="tx1"/>
                         </a:solidFill>
                       </a:endParaRPr>
                     </a:p>
@@ -4390,14 +4614,14 @@
                       <a:r>
                         <a:rPr lang="en-US" altLang="ko-KR" sz="800" dirty="0" err="1" smtClean="0">
                           <a:solidFill>
-                            <a:srgbClr val="7030A0"/>
+                            <a:schemeClr val="tx1"/>
                           </a:solidFill>
                         </a:rPr>
                         <a:t>doctor_id</a:t>
                       </a:r>
                       <a:endParaRPr lang="ko-KR" altLang="en-US" sz="800" dirty="0">
                         <a:solidFill>
-                          <a:srgbClr val="7030A0"/>
+                          <a:schemeClr val="tx1"/>
                         </a:solidFill>
                       </a:endParaRPr>
                     </a:p>
@@ -4413,14 +4637,14 @@
                       <a:r>
                         <a:rPr lang="en-US" altLang="ko-KR" sz="800" dirty="0" err="1" smtClean="0">
                           <a:solidFill>
-                            <a:srgbClr val="7030A0"/>
+                            <a:schemeClr val="tx1"/>
                           </a:solidFill>
                         </a:rPr>
                         <a:t>Int</a:t>
                       </a:r>
                       <a:endParaRPr lang="ko-KR" altLang="en-US" sz="800" dirty="0">
                         <a:solidFill>
-                          <a:srgbClr val="7030A0"/>
+                          <a:schemeClr val="tx1"/>
                         </a:solidFill>
                       </a:endParaRPr>
                     </a:p>
@@ -4436,14 +4660,14 @@
                       <a:r>
                         <a:rPr lang="en-US" altLang="ko-KR" sz="800" dirty="0" smtClean="0">
                           <a:solidFill>
-                            <a:srgbClr val="7030A0"/>
+                            <a:schemeClr val="tx1"/>
                           </a:solidFill>
                         </a:rPr>
                         <a:t>FK</a:t>
                       </a:r>
                       <a:endParaRPr lang="ko-KR" altLang="en-US" sz="800" dirty="0">
                         <a:solidFill>
-                          <a:srgbClr val="7030A0"/>
+                          <a:schemeClr val="tx1"/>
                         </a:solidFill>
                       </a:endParaRPr>
                     </a:p>
@@ -4464,14 +4688,14 @@
           <p:nvPr>
             <p:extLst>
               <p:ext uri="{D42A27DB-BD31-4B8C-83A1-F6EECF244321}">
-                <p14:modId xmlns:p14="http://schemas.microsoft.com/office/powerpoint/2010/main" val="4189574781"/>
+                <p14:modId xmlns:p14="http://schemas.microsoft.com/office/powerpoint/2010/main" val="179236411"/>
               </p:ext>
             </p:extLst>
           </p:nvPr>
         </p:nvGraphicFramePr>
         <p:xfrm>
-          <a:off x="7284722" y="3644862"/>
-          <a:ext cx="1572258" cy="1141019"/>
+          <a:off x="7097402" y="3925797"/>
+          <a:ext cx="1965994" cy="819131"/>
         </p:xfrm>
         <a:graphic>
           <a:graphicData uri="http://schemas.openxmlformats.org/drawingml/2006/table">
@@ -4480,11 +4704,11 @@
                 <a:tableStyleId>{5C22544A-7EE6-4342-B048-85BDC9FD1C3A}</a:tableStyleId>
               </a:tblPr>
               <a:tblGrid>
-                <a:gridCol w="741679"/>
-                <a:gridCol w="396240"/>
-                <a:gridCol w="434339"/>
+                <a:gridCol w="872344"/>
+                <a:gridCol w="761473"/>
+                <a:gridCol w="332177"/>
               </a:tblGrid>
-              <a:tr h="281130">
+              <a:tr h="210004">
                 <a:tc gridSpan="3">
                   <a:txBody>
                     <a:bodyPr/>
@@ -4531,7 +4755,7 @@
                   <a:tcPr/>
                 </a:tc>
               </a:tr>
-              <a:tr h="402689">
+              <a:tr h="288755">
                 <a:tc>
                   <a:txBody>
                     <a:bodyPr/>
@@ -4586,7 +4810,7 @@
                   <a:tcPr/>
                 </a:tc>
               </a:tr>
-              <a:tr h="402689">
+              <a:tr h="240011">
                 <a:tc>
                   <a:txBody>
                     <a:bodyPr/>
@@ -4609,20 +4833,28 @@
                     <a:p>
                       <a:pPr latinLnBrk="1"/>
                       <a:r>
-                        <a:rPr lang="en-US" altLang="ko-KR" sz="800" dirty="0" smtClean="0"/>
-                        <a:t>Varchar(30)</a:t>
-                      </a:r>
-                      <a:endParaRPr lang="ko-KR" altLang="en-US" sz="800" dirty="0"/>
-                    </a:p>
-                  </a:txBody>
-                  <a:tcPr/>
-                </a:tc>
-                <a:tc>
-                  <a:txBody>
-                    <a:bodyPr/>
-                    <a:lstStyle/>
-                    <a:p>
-                      <a:pPr latinLnBrk="1"/>
+                        <a:rPr lang="en-US" altLang="ko-KR" sz="800" dirty="0" err="1" smtClean="0"/>
+                        <a:t>Int</a:t>
+                      </a:r>
+                      <a:r>
+                        <a:rPr lang="en-US" altLang="ko-KR" sz="800" smtClean="0"/>
+                        <a:t>(11)</a:t>
+                      </a:r>
+                      <a:endParaRPr lang="ko-KR" altLang="en-US" sz="800" dirty="0"/>
+                    </a:p>
+                  </a:txBody>
+                  <a:tcPr/>
+                </a:tc>
+                <a:tc>
+                  <a:txBody>
+                    <a:bodyPr/>
+                    <a:lstStyle/>
+                    <a:p>
+                      <a:pPr latinLnBrk="1"/>
+                      <a:r>
+                        <a:rPr lang="en-US" altLang="ko-KR" sz="800" dirty="0" err="1" smtClean="0"/>
+                        <a:t>fk</a:t>
+                      </a:r>
                       <a:endParaRPr lang="ko-KR" altLang="en-US" sz="800" dirty="0"/>
                     </a:p>
                   </a:txBody>
@@ -4642,13 +4874,13 @@
           <p:nvPr>
             <p:extLst>
               <p:ext uri="{D42A27DB-BD31-4B8C-83A1-F6EECF244321}">
-                <p14:modId xmlns:p14="http://schemas.microsoft.com/office/powerpoint/2010/main" val="898479449"/>
+                <p14:modId xmlns:p14="http://schemas.microsoft.com/office/powerpoint/2010/main" val="3712868959"/>
               </p:ext>
             </p:extLst>
           </p:nvPr>
         </p:nvGraphicFramePr>
         <p:xfrm>
-          <a:off x="4789178" y="3268585"/>
+          <a:off x="3884462" y="2839559"/>
           <a:ext cx="1769105" cy="899856"/>
         </p:xfrm>
         <a:graphic>
@@ -4787,20 +5019,28 @@
                     <a:p>
                       <a:pPr latinLnBrk="1"/>
                       <a:r>
+                        <a:rPr lang="en-US" altLang="ko-KR" sz="800" dirty="0" err="1" smtClean="0"/>
+                        <a:t>Int</a:t>
+                      </a:r>
+                      <a:r>
                         <a:rPr lang="en-US" altLang="ko-KR" sz="800" dirty="0" smtClean="0"/>
-                        <a:t>Varchar(30)</a:t>
-                      </a:r>
-                      <a:endParaRPr lang="ko-KR" altLang="en-US" sz="800" dirty="0"/>
-                    </a:p>
-                  </a:txBody>
-                  <a:tcPr/>
-                </a:tc>
-                <a:tc>
-                  <a:txBody>
-                    <a:bodyPr/>
-                    <a:lstStyle/>
-                    <a:p>
-                      <a:pPr latinLnBrk="1"/>
+                        <a:t>(11)</a:t>
+                      </a:r>
+                      <a:endParaRPr lang="ko-KR" altLang="en-US" sz="800" dirty="0"/>
+                    </a:p>
+                  </a:txBody>
+                  <a:tcPr/>
+                </a:tc>
+                <a:tc>
+                  <a:txBody>
+                    <a:bodyPr/>
+                    <a:lstStyle/>
+                    <a:p>
+                      <a:pPr latinLnBrk="1"/>
+                      <a:r>
+                        <a:rPr lang="en-US" altLang="ko-KR" sz="800" dirty="0" err="1" smtClean="0"/>
+                        <a:t>fk</a:t>
+                      </a:r>
                       <a:endParaRPr lang="ko-KR" altLang="en-US" sz="800" dirty="0"/>
                     </a:p>
                   </a:txBody>
@@ -5168,14 +5408,14 @@
           <p:nvPr>
             <p:extLst>
               <p:ext uri="{D42A27DB-BD31-4B8C-83A1-F6EECF244321}">
-                <p14:modId xmlns:p14="http://schemas.microsoft.com/office/powerpoint/2010/main" val="2853151571"/>
+                <p14:modId xmlns:p14="http://schemas.microsoft.com/office/powerpoint/2010/main" val="363618874"/>
               </p:ext>
             </p:extLst>
           </p:nvPr>
         </p:nvGraphicFramePr>
         <p:xfrm>
-          <a:off x="6990215" y="1618140"/>
-          <a:ext cx="2359730" cy="1706880"/>
+          <a:off x="6064395" y="2172023"/>
+          <a:ext cx="2359730" cy="1493520"/>
         </p:xfrm>
         <a:graphic>
           <a:graphicData uri="http://schemas.openxmlformats.org/drawingml/2006/table">
@@ -5392,7 +5632,7 @@
                       <a:pPr latinLnBrk="1"/>
                       <a:r>
                         <a:rPr lang="en-US" altLang="ko-KR" sz="800" dirty="0" smtClean="0"/>
-                        <a:t>Char(11)_</a:t>
+                        <a:t>Char(11_</a:t>
                       </a:r>
                       <a:endParaRPr lang="ko-KR" altLang="en-US" sz="800" dirty="0"/>
                     </a:p>
@@ -5479,49 +5719,6 @@
                       <a:r>
                         <a:rPr lang="en-US" altLang="ko-KR" sz="800" dirty="0" smtClean="0"/>
                         <a:t>Varchar(20)</a:t>
-                      </a:r>
-                      <a:endParaRPr lang="ko-KR" altLang="en-US" sz="800" dirty="0"/>
-                    </a:p>
-                  </a:txBody>
-                  <a:tcPr/>
-                </a:tc>
-                <a:tc>
-                  <a:txBody>
-                    <a:bodyPr/>
-                    <a:lstStyle/>
-                    <a:p>
-                      <a:pPr latinLnBrk="1"/>
-                      <a:endParaRPr lang="ko-KR" altLang="en-US" sz="800" dirty="0"/>
-                    </a:p>
-                  </a:txBody>
-                  <a:tcPr/>
-                </a:tc>
-              </a:tr>
-              <a:tr h="171288">
-                <a:tc>
-                  <a:txBody>
-                    <a:bodyPr/>
-                    <a:lstStyle/>
-                    <a:p>
-                      <a:pPr latinLnBrk="1"/>
-                      <a:r>
-                        <a:rPr lang="en-US" altLang="ko-KR" sz="800" dirty="0" err="1" smtClean="0"/>
-                        <a:t>Employee_password</a:t>
-                      </a:r>
-                      <a:endParaRPr lang="ko-KR" altLang="en-US" sz="800" dirty="0"/>
-                    </a:p>
-                  </a:txBody>
-                  <a:tcPr/>
-                </a:tc>
-                <a:tc>
-                  <a:txBody>
-                    <a:bodyPr/>
-                    <a:lstStyle/>
-                    <a:p>
-                      <a:pPr latinLnBrk="1"/>
-                      <a:r>
-                        <a:rPr lang="en-US" altLang="ko-KR" sz="800" dirty="0" smtClean="0"/>
-                        <a:t>Varchar(30)</a:t>
                       </a:r>
                       <a:endParaRPr lang="ko-KR" altLang="en-US" sz="800" dirty="0"/>
                     </a:p>
@@ -6316,13 +6513,13 @@
           <p:nvPr>
             <p:extLst>
               <p:ext uri="{D42A27DB-BD31-4B8C-83A1-F6EECF244321}">
-                <p14:modId xmlns:p14="http://schemas.microsoft.com/office/powerpoint/2010/main" val="277752834"/>
+                <p14:modId xmlns:p14="http://schemas.microsoft.com/office/powerpoint/2010/main" val="4163475893"/>
               </p:ext>
             </p:extLst>
           </p:nvPr>
         </p:nvGraphicFramePr>
         <p:xfrm>
-          <a:off x="-115920" y="1982714"/>
+          <a:off x="-53305" y="1982714"/>
           <a:ext cx="1821151" cy="1424455"/>
         </p:xfrm>
         <a:graphic>
@@ -6578,8 +6775,8 @@
         </p:nvCxnSpPr>
         <p:spPr>
           <a:xfrm flipV="1">
-            <a:off x="794655" y="1625909"/>
-            <a:ext cx="155303" cy="356805"/>
+            <a:off x="857270" y="1625909"/>
+            <a:ext cx="92688" cy="356805"/>
           </a:xfrm>
           <a:prstGeom prst="straightConnector1">
             <a:avLst/>
@@ -6679,15 +6876,15 @@
         <p:nvCxnSpPr>
           <p:cNvPr id="49" name="직선 화살표 연결선 48"/>
           <p:cNvCxnSpPr>
-            <a:stCxn id="11" idx="0"/>
+            <a:stCxn id="11" idx="3"/>
             <a:endCxn id="13" idx="1"/>
           </p:cNvCxnSpPr>
           <p:nvPr/>
         </p:nvCxnSpPr>
         <p:spPr>
           <a:xfrm flipV="1">
-            <a:off x="5673730" y="2471580"/>
-            <a:ext cx="1316485" cy="797005"/>
+            <a:off x="5653567" y="2918783"/>
+            <a:ext cx="410828" cy="370704"/>
           </a:xfrm>
           <a:prstGeom prst="straightConnector1">
             <a:avLst/>
@@ -6719,14 +6916,13 @@
           <p:cNvPr id="51" name="직선 화살표 연결선 50"/>
           <p:cNvCxnSpPr>
             <a:stCxn id="10" idx="0"/>
-            <a:endCxn id="13" idx="2"/>
           </p:cNvCxnSpPr>
           <p:nvPr/>
         </p:nvCxnSpPr>
         <p:spPr>
-          <a:xfrm flipV="1">
-            <a:off x="8070851" y="3325020"/>
-            <a:ext cx="99229" cy="319842"/>
+          <a:xfrm flipH="1" flipV="1">
+            <a:off x="7470748" y="3714879"/>
+            <a:ext cx="609651" cy="210918"/>
           </a:xfrm>
           <a:prstGeom prst="straightConnector1">
             <a:avLst/>
@@ -6765,14 +6961,14 @@
         <p:spPr>
           <a:xfrm flipH="1" flipV="1">
             <a:off x="3596011" y="2994110"/>
-            <a:ext cx="1163954" cy="2480581"/>
+            <a:ext cx="90465" cy="2709426"/>
           </a:xfrm>
           <a:prstGeom prst="straightConnector1">
             <a:avLst/>
           </a:prstGeom>
           <a:ln>
             <a:solidFill>
-              <a:srgbClr val="7030A0"/>
+              <a:schemeClr val="accent1"/>
             </a:solidFill>
             <a:tailEnd type="triangle"/>
           </a:ln>
@@ -6803,12 +6999,12 @@
         </p:nvCxnSpPr>
         <p:spPr>
           <a:xfrm rot="5400000" flipH="1">
-            <a:off x="4005385" y="2634653"/>
-            <a:ext cx="625149" cy="7071902"/>
+            <a:off x="3475357" y="3164682"/>
+            <a:ext cx="679528" cy="6066223"/>
           </a:xfrm>
           <a:prstGeom prst="curvedConnector3">
             <a:avLst>
-              <a:gd name="adj1" fmla="val -36567"/>
+              <a:gd name="adj1" fmla="val -33641"/>
             </a:avLst>
           </a:prstGeom>
           <a:ln>
@@ -6844,15 +7040,15 @@
         </p:nvCxnSpPr>
         <p:spPr>
           <a:xfrm flipV="1">
-            <a:off x="5546094" y="4168441"/>
-            <a:ext cx="127636" cy="543104"/>
+            <a:off x="4472605" y="3739415"/>
+            <a:ext cx="296409" cy="1200975"/>
           </a:xfrm>
           <a:prstGeom prst="straightConnector1">
             <a:avLst/>
           </a:prstGeom>
           <a:ln>
             <a:solidFill>
-              <a:srgbClr val="7030A0"/>
+              <a:schemeClr val="accent1"/>
             </a:solidFill>
             <a:tailEnd type="triangle"/>
           </a:ln>
@@ -6884,14 +7080,14 @@
         <p:spPr>
           <a:xfrm>
             <a:off x="3596011" y="2994110"/>
-            <a:ext cx="1193167" cy="724403"/>
+            <a:ext cx="288451" cy="295377"/>
           </a:xfrm>
           <a:prstGeom prst="straightConnector1">
             <a:avLst/>
           </a:prstGeom>
           <a:ln>
             <a:solidFill>
-              <a:srgbClr val="FF0000"/>
+              <a:schemeClr val="accent1"/>
             </a:solidFill>
             <a:tailEnd type="triangle"/>
           </a:ln>
@@ -6920,13 +7116,13 @@
           <p:nvPr>
             <p:extLst>
               <p:ext uri="{D42A27DB-BD31-4B8C-83A1-F6EECF244321}">
-                <p14:modId xmlns:p14="http://schemas.microsoft.com/office/powerpoint/2010/main" val="2350083422"/>
+                <p14:modId xmlns:p14="http://schemas.microsoft.com/office/powerpoint/2010/main" val="2452450150"/>
               </p:ext>
             </p:extLst>
           </p:nvPr>
         </p:nvGraphicFramePr>
         <p:xfrm>
-          <a:off x="4214319" y="600810"/>
+          <a:off x="3772043" y="356577"/>
           <a:ext cx="2214363" cy="2164080"/>
         </p:xfrm>
         <a:graphic>
@@ -7425,7 +7621,7 @@
         <p:spPr>
           <a:xfrm flipH="1" flipV="1">
             <a:off x="1899918" y="851115"/>
-            <a:ext cx="2314401" cy="831735"/>
+            <a:ext cx="1872125" cy="587502"/>
           </a:xfrm>
           <a:prstGeom prst="straightConnector1">
             <a:avLst/>
@@ -7453,14 +7649,15 @@
         <p:nvCxnSpPr>
           <p:cNvPr id="116" name="직선 화살표 연결선 115"/>
           <p:cNvCxnSpPr>
+            <a:stCxn id="111" idx="3"/>
             <a:endCxn id="6" idx="1"/>
           </p:cNvCxnSpPr>
           <p:nvPr/>
         </p:nvCxnSpPr>
         <p:spPr>
           <a:xfrm flipV="1">
-            <a:off x="6428682" y="850656"/>
-            <a:ext cx="329106" cy="895768"/>
+            <a:off x="5986406" y="850656"/>
+            <a:ext cx="771382" cy="587961"/>
           </a:xfrm>
           <a:prstGeom prst="straightConnector1">
             <a:avLst/>
@@ -7494,9 +7691,255 @@
           <p:nvPr/>
         </p:nvCxnSpPr>
         <p:spPr>
+          <a:xfrm flipH="1">
+            <a:off x="4769014" y="2520657"/>
+            <a:ext cx="110210" cy="318902"/>
+          </a:xfrm>
+          <a:prstGeom prst="straightConnector1">
+            <a:avLst/>
+          </a:prstGeom>
+          <a:ln>
+            <a:tailEnd type="triangle"/>
+          </a:ln>
+        </p:spPr>
+        <p:style>
+          <a:lnRef idx="1">
+            <a:schemeClr val="accent1"/>
+          </a:lnRef>
+          <a:fillRef idx="0">
+            <a:schemeClr val="accent1"/>
+          </a:fillRef>
+          <a:effectRef idx="0">
+            <a:schemeClr val="accent1"/>
+          </a:effectRef>
+          <a:fontRef idx="minor">
+            <a:schemeClr val="tx1"/>
+          </a:fontRef>
+        </p:style>
+      </p:cxnSp>
+      <p:graphicFrame>
+        <p:nvGraphicFramePr>
+          <p:cNvPr id="52" name="표 51"/>
+          <p:cNvGraphicFramePr>
+            <a:graphicFrameLocks noGrp="1"/>
+          </p:cNvGraphicFramePr>
+          <p:nvPr>
+            <p:extLst>
+              <p:ext uri="{D42A27DB-BD31-4B8C-83A1-F6EECF244321}">
+                <p14:modId xmlns:p14="http://schemas.microsoft.com/office/powerpoint/2010/main" val="637942086"/>
+              </p:ext>
+            </p:extLst>
+          </p:nvPr>
+        </p:nvGraphicFramePr>
+        <p:xfrm>
+          <a:off x="4943200" y="3950351"/>
+          <a:ext cx="1905032" cy="940385"/>
+        </p:xfrm>
+        <a:graphic>
+          <a:graphicData uri="http://schemas.openxmlformats.org/drawingml/2006/table">
+            <a:tbl>
+              <a:tblPr firstRow="1" bandRow="1">
+                <a:tableStyleId>{5C22544A-7EE6-4342-B048-85BDC9FD1C3A}</a:tableStyleId>
+              </a:tblPr>
+              <a:tblGrid>
+                <a:gridCol w="898658"/>
+                <a:gridCol w="733128"/>
+                <a:gridCol w="273246"/>
+              </a:tblGrid>
+              <a:tr h="243649">
+                <a:tc gridSpan="3">
+                  <a:txBody>
+                    <a:bodyPr/>
+                    <a:lstStyle/>
+                    <a:p>
+                      <a:pPr latinLnBrk="1"/>
+                      <a:r>
+                        <a:rPr lang="en-US" altLang="ko-KR" sz="1000" dirty="0" smtClean="0">
+                          <a:solidFill>
+                            <a:schemeClr val="tx1"/>
+                          </a:solidFill>
+                        </a:rPr>
+                        <a:t>Department</a:t>
+                      </a:r>
+                      <a:endParaRPr lang="ko-KR" altLang="en-US" sz="1000" dirty="0">
+                        <a:solidFill>
+                          <a:schemeClr val="tx1"/>
+                        </a:solidFill>
+                      </a:endParaRPr>
+                    </a:p>
+                  </a:txBody>
+                  <a:tcPr/>
+                </a:tc>
+                <a:tc hMerge="1">
+                  <a:txBody>
+                    <a:bodyPr/>
+                    <a:lstStyle/>
+                    <a:p>
+                      <a:pPr latinLnBrk="1"/>
+                      <a:endParaRPr lang="ko-KR" altLang="en-US" dirty="0"/>
+                    </a:p>
+                  </a:txBody>
+                  <a:tcPr/>
+                </a:tc>
+                <a:tc hMerge="1">
+                  <a:txBody>
+                    <a:bodyPr/>
+                    <a:lstStyle/>
+                    <a:p>
+                      <a:pPr latinLnBrk="1"/>
+                      <a:endParaRPr lang="ko-KR" altLang="en-US" dirty="0"/>
+                    </a:p>
+                  </a:txBody>
+                  <a:tcPr/>
+                </a:tc>
+              </a:tr>
+              <a:tr h="347544">
+                <a:tc>
+                  <a:txBody>
+                    <a:bodyPr/>
+                    <a:lstStyle/>
+                    <a:p>
+                      <a:pPr latinLnBrk="1"/>
+                      <a:r>
+                        <a:rPr lang="en-US" altLang="ko-KR" sz="800" dirty="0" err="1" smtClean="0"/>
+                        <a:t>Department_id</a:t>
+                      </a:r>
+                      <a:endParaRPr lang="ko-KR" altLang="en-US" sz="800" dirty="0"/>
+                    </a:p>
+                  </a:txBody>
+                  <a:tcPr/>
+                </a:tc>
+                <a:tc>
+                  <a:txBody>
+                    <a:bodyPr/>
+                    <a:lstStyle/>
+                    <a:p>
+                      <a:pPr latinLnBrk="1"/>
+                      <a:r>
+                        <a:rPr lang="en-US" altLang="ko-KR" sz="800" dirty="0" err="1" smtClean="0"/>
+                        <a:t>Int</a:t>
+                      </a:r>
+                      <a:r>
+                        <a:rPr lang="en-US" altLang="ko-KR" sz="800" dirty="0" smtClean="0"/>
+                        <a:t>(11)</a:t>
+                      </a:r>
+                      <a:endParaRPr lang="ko-KR" altLang="en-US" sz="800" dirty="0"/>
+                    </a:p>
+                  </a:txBody>
+                  <a:tcPr/>
+                </a:tc>
+                <a:tc>
+                  <a:txBody>
+                    <a:bodyPr/>
+                    <a:lstStyle/>
+                    <a:p>
+                      <a:pPr latinLnBrk="1"/>
+                      <a:r>
+                        <a:rPr lang="en-US" altLang="ko-KR" sz="800" dirty="0" err="1" smtClean="0"/>
+                        <a:t>Pk</a:t>
+                      </a:r>
+                      <a:endParaRPr lang="ko-KR" altLang="en-US" sz="800" dirty="0"/>
+                    </a:p>
+                  </a:txBody>
+                  <a:tcPr/>
+                </a:tc>
+              </a:tr>
+              <a:tr h="349001">
+                <a:tc>
+                  <a:txBody>
+                    <a:bodyPr/>
+                    <a:lstStyle/>
+                    <a:p>
+                      <a:pPr latinLnBrk="1"/>
+                      <a:r>
+                        <a:rPr lang="en-US" altLang="ko-KR" sz="800" dirty="0" err="1" smtClean="0"/>
+                        <a:t>Department_name</a:t>
+                      </a:r>
+                      <a:endParaRPr lang="ko-KR" altLang="en-US" sz="800" dirty="0"/>
+                    </a:p>
+                  </a:txBody>
+                  <a:tcPr/>
+                </a:tc>
+                <a:tc>
+                  <a:txBody>
+                    <a:bodyPr/>
+                    <a:lstStyle/>
+                    <a:p>
+                      <a:pPr latinLnBrk="1"/>
+                      <a:r>
+                        <a:rPr lang="en-US" altLang="ko-KR" sz="800" dirty="0" smtClean="0"/>
+                        <a:t>Varchar(30)</a:t>
+                      </a:r>
+                      <a:endParaRPr lang="ko-KR" altLang="en-US" sz="800" dirty="0"/>
+                    </a:p>
+                  </a:txBody>
+                  <a:tcPr/>
+                </a:tc>
+                <a:tc>
+                  <a:txBody>
+                    <a:bodyPr/>
+                    <a:lstStyle/>
+                    <a:p>
+                      <a:pPr latinLnBrk="1"/>
+                      <a:endParaRPr lang="ko-KR" altLang="en-US" sz="800" dirty="0"/>
+                    </a:p>
+                  </a:txBody>
+                  <a:tcPr/>
+                </a:tc>
+              </a:tr>
+            </a:tbl>
+          </a:graphicData>
+        </a:graphic>
+      </p:graphicFrame>
+      <p:cxnSp>
+        <p:nvCxnSpPr>
+          <p:cNvPr id="67" name="직선 화살표 연결선 66"/>
+          <p:cNvCxnSpPr>
+            <a:stCxn id="11" idx="2"/>
+            <a:endCxn id="52" idx="0"/>
+          </p:cNvCxnSpPr>
+          <p:nvPr/>
+        </p:nvCxnSpPr>
+        <p:spPr>
           <a:xfrm>
-            <a:off x="5321500" y="2764890"/>
-            <a:ext cx="352230" cy="503695"/>
+            <a:off x="4769014" y="3739415"/>
+            <a:ext cx="1126702" cy="210936"/>
+          </a:xfrm>
+          <a:prstGeom prst="straightConnector1">
+            <a:avLst/>
+          </a:prstGeom>
+          <a:ln>
+            <a:tailEnd type="triangle"/>
+          </a:ln>
+        </p:spPr>
+        <p:style>
+          <a:lnRef idx="1">
+            <a:schemeClr val="accent1"/>
+          </a:lnRef>
+          <a:fillRef idx="0">
+            <a:schemeClr val="accent1"/>
+          </a:fillRef>
+          <a:effectRef idx="0">
+            <a:schemeClr val="accent1"/>
+          </a:effectRef>
+          <a:fontRef idx="minor">
+            <a:schemeClr val="tx1"/>
+          </a:fontRef>
+        </p:style>
+      </p:cxnSp>
+      <p:cxnSp>
+        <p:nvCxnSpPr>
+          <p:cNvPr id="70" name="직선 화살표 연결선 69"/>
+          <p:cNvCxnSpPr>
+            <a:stCxn id="10" idx="1"/>
+            <a:endCxn id="52" idx="3"/>
+          </p:cNvCxnSpPr>
+          <p:nvPr/>
+        </p:nvCxnSpPr>
+        <p:spPr>
+          <a:xfrm flipH="1">
+            <a:off x="6848232" y="4335362"/>
+            <a:ext cx="249170" cy="85181"/>
           </a:xfrm>
           <a:prstGeom prst="straightConnector1">
             <a:avLst/>

--- a/mysql_doc/db 현재의 스키마.pptx
+++ b/mysql_doc/db 현재의 스키마.pptx
@@ -245,7 +245,7 @@
           <a:p>
             <a:fld id="{8637FA06-7859-4812-AEA6-560AE18837FA}" type="datetimeFigureOut">
               <a:rPr lang="ko-KR" altLang="en-US" smtClean="0"/>
-              <a:t>2018-07-06</a:t>
+              <a:t>2018-07-03</a:t>
             </a:fld>
             <a:endParaRPr lang="ko-KR" altLang="en-US"/>
           </a:p>
@@ -415,7 +415,7 @@
           <a:p>
             <a:fld id="{8637FA06-7859-4812-AEA6-560AE18837FA}" type="datetimeFigureOut">
               <a:rPr lang="ko-KR" altLang="en-US" smtClean="0"/>
-              <a:t>2018-07-06</a:t>
+              <a:t>2018-07-03</a:t>
             </a:fld>
             <a:endParaRPr lang="ko-KR" altLang="en-US"/>
           </a:p>
@@ -595,7 +595,7 @@
           <a:p>
             <a:fld id="{8637FA06-7859-4812-AEA6-560AE18837FA}" type="datetimeFigureOut">
               <a:rPr lang="ko-KR" altLang="en-US" smtClean="0"/>
-              <a:t>2018-07-06</a:t>
+              <a:t>2018-07-03</a:t>
             </a:fld>
             <a:endParaRPr lang="ko-KR" altLang="en-US"/>
           </a:p>
@@ -765,7 +765,7 @@
           <a:p>
             <a:fld id="{8637FA06-7859-4812-AEA6-560AE18837FA}" type="datetimeFigureOut">
               <a:rPr lang="ko-KR" altLang="en-US" smtClean="0"/>
-              <a:t>2018-07-06</a:t>
+              <a:t>2018-07-03</a:t>
             </a:fld>
             <a:endParaRPr lang="ko-KR" altLang="en-US"/>
           </a:p>
@@ -1011,7 +1011,7 @@
           <a:p>
             <a:fld id="{8637FA06-7859-4812-AEA6-560AE18837FA}" type="datetimeFigureOut">
               <a:rPr lang="ko-KR" altLang="en-US" smtClean="0"/>
-              <a:t>2018-07-06</a:t>
+              <a:t>2018-07-03</a:t>
             </a:fld>
             <a:endParaRPr lang="ko-KR" altLang="en-US"/>
           </a:p>
@@ -1243,7 +1243,7 @@
           <a:p>
             <a:fld id="{8637FA06-7859-4812-AEA6-560AE18837FA}" type="datetimeFigureOut">
               <a:rPr lang="ko-KR" altLang="en-US" smtClean="0"/>
-              <a:t>2018-07-06</a:t>
+              <a:t>2018-07-03</a:t>
             </a:fld>
             <a:endParaRPr lang="ko-KR" altLang="en-US"/>
           </a:p>
@@ -1610,7 +1610,7 @@
           <a:p>
             <a:fld id="{8637FA06-7859-4812-AEA6-560AE18837FA}" type="datetimeFigureOut">
               <a:rPr lang="ko-KR" altLang="en-US" smtClean="0"/>
-              <a:t>2018-07-06</a:t>
+              <a:t>2018-07-03</a:t>
             </a:fld>
             <a:endParaRPr lang="ko-KR" altLang="en-US"/>
           </a:p>
@@ -1728,7 +1728,7 @@
           <a:p>
             <a:fld id="{8637FA06-7859-4812-AEA6-560AE18837FA}" type="datetimeFigureOut">
               <a:rPr lang="ko-KR" altLang="en-US" smtClean="0"/>
-              <a:t>2018-07-06</a:t>
+              <a:t>2018-07-03</a:t>
             </a:fld>
             <a:endParaRPr lang="ko-KR" altLang="en-US"/>
           </a:p>
@@ -1823,7 +1823,7 @@
           <a:p>
             <a:fld id="{8637FA06-7859-4812-AEA6-560AE18837FA}" type="datetimeFigureOut">
               <a:rPr lang="ko-KR" altLang="en-US" smtClean="0"/>
-              <a:t>2018-07-06</a:t>
+              <a:t>2018-07-03</a:t>
             </a:fld>
             <a:endParaRPr lang="ko-KR" altLang="en-US"/>
           </a:p>
@@ -2100,7 +2100,7 @@
           <a:p>
             <a:fld id="{8637FA06-7859-4812-AEA6-560AE18837FA}" type="datetimeFigureOut">
               <a:rPr lang="ko-KR" altLang="en-US" smtClean="0"/>
-              <a:t>2018-07-06</a:t>
+              <a:t>2018-07-03</a:t>
             </a:fld>
             <a:endParaRPr lang="ko-KR" altLang="en-US"/>
           </a:p>
@@ -2353,7 +2353,7 @@
           <a:p>
             <a:fld id="{8637FA06-7859-4812-AEA6-560AE18837FA}" type="datetimeFigureOut">
               <a:rPr lang="ko-KR" altLang="en-US" smtClean="0"/>
-              <a:t>2018-07-06</a:t>
+              <a:t>2018-07-03</a:t>
             </a:fld>
             <a:endParaRPr lang="ko-KR" altLang="en-US"/>
           </a:p>
@@ -2566,7 +2566,7 @@
           <a:p>
             <a:fld id="{8637FA06-7859-4812-AEA6-560AE18837FA}" type="datetimeFigureOut">
               <a:rPr lang="ko-KR" altLang="en-US" smtClean="0"/>
-              <a:t>2018-07-06</a:t>
+              <a:t>2018-07-03</a:t>
             </a:fld>
             <a:endParaRPr lang="ko-KR" altLang="en-US"/>
           </a:p>
@@ -3057,14 +3057,13 @@
               <a:t>: </a:t>
             </a:r>
             <a:r>
-              <a:rPr lang="ko-KR" altLang="en-US" sz="1600" dirty="0" err="1" smtClean="0"/>
-              <a:t>삭제할것</a:t>
+              <a:rPr lang="ko-KR" altLang="en-US" sz="1600" dirty="0" smtClean="0"/>
+              <a:t>그림 그리다 알게 된 있었어야 했는데 미 구현 한 것</a:t>
             </a:r>
             <a:r>
               <a:rPr lang="en-US" altLang="ko-KR" sz="1600" dirty="0" smtClean="0"/>
               <a:t> </a:t>
             </a:r>
-            <a:endParaRPr lang="en-US" altLang="ko-KR" sz="1600" dirty="0" smtClean="0"/>
           </a:p>
           <a:p>
             <a:pPr algn="l"/>
@@ -3122,13 +3121,6 @@
   <p:clrMapOvr>
     <a:masterClrMapping/>
   </p:clrMapOvr>
-  <p:timing>
-    <p:tnLst>
-      <p:par>
-        <p:cTn id="1" dur="indefinite" restart="never" nodeType="tmRoot"/>
-      </p:par>
-    </p:tnLst>
-  </p:timing>
 </p:sld>
 </file>
 
@@ -3721,14 +3713,14 @@
           <p:nvPr>
             <p:extLst>
               <p:ext uri="{D42A27DB-BD31-4B8C-83A1-F6EECF244321}">
-                <p14:modId xmlns:p14="http://schemas.microsoft.com/office/powerpoint/2010/main" val="2650434022"/>
+                <p14:modId xmlns:p14="http://schemas.microsoft.com/office/powerpoint/2010/main" val="2695475307"/>
               </p:ext>
             </p:extLst>
           </p:nvPr>
         </p:nvGraphicFramePr>
         <p:xfrm>
-          <a:off x="9122499" y="171706"/>
-          <a:ext cx="2065308" cy="1594370"/>
+          <a:off x="9553692" y="3898394"/>
+          <a:ext cx="1572258" cy="1177715"/>
         </p:xfrm>
         <a:graphic>
           <a:graphicData uri="http://schemas.openxmlformats.org/drawingml/2006/table">
@@ -3737,11 +3729,11 @@
                 <a:tableStyleId>{5C22544A-7EE6-4342-B048-85BDC9FD1C3A}</a:tableStyleId>
               </a:tblPr>
               <a:tblGrid>
-                <a:gridCol w="993592"/>
-                <a:gridCol w="675192"/>
-                <a:gridCol w="396524"/>
+                <a:gridCol w="741679"/>
+                <a:gridCol w="396240"/>
+                <a:gridCol w="434339"/>
               </a:tblGrid>
-              <a:tr h="243011">
+              <a:tr h="365411">
                 <a:tc gridSpan="3">
                   <a:txBody>
                     <a:bodyPr/>
@@ -3751,14 +3743,14 @@
                       <a:r>
                         <a:rPr lang="en-US" altLang="ko-KR" sz="1000" dirty="0" smtClean="0">
                           <a:solidFill>
-                            <a:schemeClr val="tx1"/>
+                            <a:srgbClr val="7030A0"/>
                           </a:solidFill>
                         </a:rPr>
-                        <a:t>User</a:t>
+                        <a:t>user</a:t>
                       </a:r>
                       <a:endParaRPr lang="ko-KR" altLang="en-US" sz="1000" dirty="0">
                         <a:solidFill>
-                          <a:schemeClr val="tx1"/>
+                          <a:srgbClr val="7030A0"/>
                         </a:solidFill>
                       </a:endParaRPr>
                     </a:p>
@@ -3788,7 +3780,7 @@
                   <a:tcPr/>
                 </a:tc>
               </a:tr>
-              <a:tr h="270106">
+              <a:tr h="406152">
                 <a:tc>
                   <a:txBody>
                     <a:bodyPr/>
@@ -3798,14 +3790,14 @@
                       <a:r>
                         <a:rPr lang="en-US" altLang="ko-KR" sz="800" dirty="0" err="1" smtClean="0">
                           <a:solidFill>
-                            <a:schemeClr val="tx1"/>
+                            <a:srgbClr val="7030A0"/>
                           </a:solidFill>
                         </a:rPr>
                         <a:t>User_number</a:t>
                       </a:r>
                       <a:endParaRPr lang="ko-KR" altLang="en-US" sz="800" dirty="0">
                         <a:solidFill>
-                          <a:schemeClr val="tx1"/>
+                          <a:srgbClr val="7030A0"/>
                         </a:solidFill>
                       </a:endParaRPr>
                     </a:p>
@@ -3821,14 +3813,14 @@
                       <a:r>
                         <a:rPr lang="en-US" altLang="ko-KR" sz="800" dirty="0" err="1" smtClean="0">
                           <a:solidFill>
-                            <a:schemeClr val="tx1"/>
+                            <a:srgbClr val="7030A0"/>
                           </a:solidFill>
                         </a:rPr>
                         <a:t>Int</a:t>
                       </a:r>
                       <a:endParaRPr lang="ko-KR" altLang="en-US" sz="800" dirty="0">
                         <a:solidFill>
-                          <a:schemeClr val="tx1"/>
+                          <a:srgbClr val="7030A0"/>
                         </a:solidFill>
                       </a:endParaRPr>
                     </a:p>
@@ -3844,14 +3836,14 @@
                       <a:r>
                         <a:rPr lang="en-US" altLang="ko-KR" sz="800" dirty="0" err="1" smtClean="0">
                           <a:solidFill>
-                            <a:schemeClr val="tx1"/>
+                            <a:srgbClr val="7030A0"/>
                           </a:solidFill>
                         </a:rPr>
                         <a:t>pk</a:t>
                       </a:r>
                       <a:endParaRPr lang="ko-KR" altLang="en-US" sz="800" dirty="0">
                         <a:solidFill>
-                          <a:schemeClr val="tx1"/>
+                          <a:srgbClr val="7030A0"/>
                         </a:solidFill>
                       </a:endParaRPr>
                     </a:p>
@@ -3859,24 +3851,16 @@
                   <a:tcPr/>
                 </a:tc>
               </a:tr>
-              <a:tr h="270106">
-                <a:tc>
-                  <a:txBody>
-                    <a:bodyPr/>
-                    <a:lstStyle/>
-                    <a:p>
-                      <a:pPr latinLnBrk="1"/>
-                      <a:r>
-                        <a:rPr lang="en-US" altLang="ko-KR" sz="800" dirty="0" err="1" smtClean="0">
-                          <a:solidFill>
-                            <a:schemeClr val="tx1"/>
-                          </a:solidFill>
-                        </a:rPr>
-                        <a:t>User_id</a:t>
-                      </a:r>
-                      <a:endParaRPr lang="en-US" altLang="ko-KR" sz="800" dirty="0" smtClean="0">
+              <a:tr h="406152">
+                <a:tc>
+                  <a:txBody>
+                    <a:bodyPr/>
+                    <a:lstStyle/>
+                    <a:p>
+                      <a:pPr latinLnBrk="1"/>
+                      <a:endParaRPr lang="ko-KR" altLang="en-US" sz="800" dirty="0">
                         <a:solidFill>
-                          <a:schemeClr val="tx1"/>
+                          <a:srgbClr val="7030A0"/>
                         </a:solidFill>
                       </a:endParaRPr>
                     </a:p>
@@ -3889,25 +3873,9 @@
                     <a:lstStyle/>
                     <a:p>
                       <a:pPr latinLnBrk="1"/>
-                      <a:r>
-                        <a:rPr lang="en-US" altLang="ko-KR" sz="800" dirty="0" err="1" smtClean="0">
-                          <a:solidFill>
-                            <a:schemeClr val="tx1"/>
-                          </a:solidFill>
-                        </a:rPr>
-                        <a:t>Int</a:t>
-                      </a:r>
-                      <a:r>
-                        <a:rPr lang="en-US" altLang="ko-KR" sz="800" dirty="0" smtClean="0">
-                          <a:solidFill>
-                            <a:schemeClr val="tx1"/>
-                          </a:solidFill>
-                        </a:rPr>
-                        <a:t>(30)</a:t>
-                      </a:r>
                       <a:endParaRPr lang="ko-KR" altLang="en-US" sz="800" dirty="0">
                         <a:solidFill>
-                          <a:schemeClr val="tx1"/>
+                          <a:srgbClr val="7030A0"/>
                         </a:solidFill>
                       </a:endParaRPr>
                     </a:p>
@@ -3922,199 +3890,7 @@
                       <a:pPr latinLnBrk="1"/>
                       <a:endParaRPr lang="ko-KR" altLang="en-US" sz="800" dirty="0">
                         <a:solidFill>
-                          <a:schemeClr val="tx1"/>
-                        </a:solidFill>
-                      </a:endParaRPr>
-                    </a:p>
-                  </a:txBody>
-                  <a:tcPr/>
-                </a:tc>
-              </a:tr>
-              <a:tr h="270106">
-                <a:tc>
-                  <a:txBody>
-                    <a:bodyPr/>
-                    <a:lstStyle/>
-                    <a:p>
-                      <a:pPr latinLnBrk="1"/>
-                      <a:r>
-                        <a:rPr lang="en-US" altLang="ko-KR" sz="800" dirty="0" err="1" smtClean="0">
-                          <a:solidFill>
-                            <a:schemeClr val="tx1"/>
-                          </a:solidFill>
-                        </a:rPr>
-                        <a:t>User_name</a:t>
-                      </a:r>
-                      <a:endParaRPr lang="en-US" altLang="ko-KR" sz="800" dirty="0" smtClean="0">
-                        <a:solidFill>
-                          <a:schemeClr val="tx1"/>
-                        </a:solidFill>
-                      </a:endParaRPr>
-                    </a:p>
-                  </a:txBody>
-                  <a:tcPr/>
-                </a:tc>
-                <a:tc>
-                  <a:txBody>
-                    <a:bodyPr/>
-                    <a:lstStyle/>
-                    <a:p>
-                      <a:pPr latinLnBrk="1"/>
-                      <a:r>
-                        <a:rPr lang="en-US" altLang="ko-KR" sz="800" dirty="0" smtClean="0">
-                          <a:solidFill>
-                            <a:schemeClr val="tx1"/>
-                          </a:solidFill>
-                        </a:rPr>
-                        <a:t>Varchar(20)</a:t>
-                      </a:r>
-                      <a:endParaRPr lang="ko-KR" altLang="en-US" sz="800" dirty="0">
-                        <a:solidFill>
-                          <a:schemeClr val="tx1"/>
-                        </a:solidFill>
-                      </a:endParaRPr>
-                    </a:p>
-                  </a:txBody>
-                  <a:tcPr/>
-                </a:tc>
-                <a:tc>
-                  <a:txBody>
-                    <a:bodyPr/>
-                    <a:lstStyle/>
-                    <a:p>
-                      <a:pPr latinLnBrk="1"/>
-                      <a:endParaRPr lang="ko-KR" altLang="en-US" sz="800" dirty="0">
-                        <a:solidFill>
-                          <a:schemeClr val="tx1"/>
-                        </a:solidFill>
-                      </a:endParaRPr>
-                    </a:p>
-                  </a:txBody>
-                  <a:tcPr/>
-                </a:tc>
-              </a:tr>
-              <a:tr h="270106">
-                <a:tc>
-                  <a:txBody>
-                    <a:bodyPr/>
-                    <a:lstStyle/>
-                    <a:p>
-                      <a:pPr latinLnBrk="1"/>
-                      <a:r>
-                        <a:rPr lang="en-US" altLang="ko-KR" sz="800" dirty="0" err="1" smtClean="0">
-                          <a:solidFill>
-                            <a:schemeClr val="tx1"/>
-                          </a:solidFill>
-                        </a:rPr>
-                        <a:t>User_password</a:t>
-                      </a:r>
-                      <a:endParaRPr lang="en-US" altLang="ko-KR" sz="800" dirty="0" smtClean="0">
-                        <a:solidFill>
-                          <a:schemeClr val="tx1"/>
-                        </a:solidFill>
-                      </a:endParaRPr>
-                    </a:p>
-                  </a:txBody>
-                  <a:tcPr/>
-                </a:tc>
-                <a:tc>
-                  <a:txBody>
-                    <a:bodyPr/>
-                    <a:lstStyle/>
-                    <a:p>
-                      <a:pPr latinLnBrk="1"/>
-                      <a:r>
-                        <a:rPr lang="en-US" altLang="ko-KR" sz="800" dirty="0" smtClean="0">
-                          <a:solidFill>
-                            <a:schemeClr val="tx1"/>
-                          </a:solidFill>
-                        </a:rPr>
-                        <a:t>Varchar(30)</a:t>
-                      </a:r>
-                      <a:endParaRPr lang="ko-KR" altLang="en-US" sz="800" dirty="0">
-                        <a:solidFill>
-                          <a:schemeClr val="tx1"/>
-                        </a:solidFill>
-                      </a:endParaRPr>
-                    </a:p>
-                  </a:txBody>
-                  <a:tcPr/>
-                </a:tc>
-                <a:tc>
-                  <a:txBody>
-                    <a:bodyPr/>
-                    <a:lstStyle/>
-                    <a:p>
-                      <a:pPr latinLnBrk="1"/>
-                      <a:endParaRPr lang="ko-KR" altLang="en-US" sz="800" dirty="0">
-                        <a:solidFill>
-                          <a:schemeClr val="tx1"/>
-                        </a:solidFill>
-                      </a:endParaRPr>
-                    </a:p>
-                  </a:txBody>
-                  <a:tcPr/>
-                </a:tc>
-              </a:tr>
-              <a:tr h="270106">
-                <a:tc>
-                  <a:txBody>
-                    <a:bodyPr/>
-                    <a:lstStyle/>
-                    <a:p>
-                      <a:pPr latinLnBrk="1"/>
-                      <a:r>
-                        <a:rPr lang="en-US" altLang="ko-KR" sz="800" dirty="0" smtClean="0">
-                          <a:solidFill>
-                            <a:schemeClr val="tx1"/>
-                          </a:solidFill>
-                        </a:rPr>
-                        <a:t>Role</a:t>
-                      </a:r>
-                    </a:p>
-                  </a:txBody>
-                  <a:tcPr/>
-                </a:tc>
-                <a:tc>
-                  <a:txBody>
-                    <a:bodyPr/>
-                    <a:lstStyle/>
-                    <a:p>
-                      <a:pPr latinLnBrk="1"/>
-                      <a:r>
-                        <a:rPr lang="en-US" altLang="ko-KR" sz="800" dirty="0" err="1" smtClean="0">
-                          <a:solidFill>
-                            <a:schemeClr val="tx1"/>
-                          </a:solidFill>
-                        </a:rPr>
-                        <a:t>Int</a:t>
-                      </a:r>
-                      <a:r>
-                        <a:rPr lang="en-US" altLang="ko-KR" sz="800" dirty="0" smtClean="0">
-                          <a:solidFill>
-                            <a:schemeClr val="tx1"/>
-                          </a:solidFill>
-                        </a:rPr>
-                        <a:t>(11)</a:t>
-                      </a:r>
-                      <a:endParaRPr lang="ko-KR" altLang="en-US" sz="800" dirty="0">
-                        <a:solidFill>
-                          <a:schemeClr val="tx1"/>
-                        </a:solidFill>
-                      </a:endParaRPr>
-                    </a:p>
-                  </a:txBody>
-                  <a:tcPr/>
-                </a:tc>
-                <a:tc>
-                  <a:txBody>
-                    <a:bodyPr/>
-                    <a:lstStyle/>
-                    <a:p>
-                      <a:pPr latinLnBrk="1"/>
-                      <a:endParaRPr lang="ko-KR" altLang="en-US" sz="800" dirty="0">
-                        <a:solidFill>
-                          <a:schemeClr val="tx1"/>
+                          <a:srgbClr val="7030A0"/>
                         </a:solidFill>
                       </a:endParaRPr>
                     </a:p>
@@ -4135,13 +3911,13 @@
           <p:nvPr>
             <p:extLst>
               <p:ext uri="{D42A27DB-BD31-4B8C-83A1-F6EECF244321}">
-                <p14:modId xmlns:p14="http://schemas.microsoft.com/office/powerpoint/2010/main" val="1501082966"/>
+                <p14:modId xmlns:p14="http://schemas.microsoft.com/office/powerpoint/2010/main" val="2971291056"/>
               </p:ext>
             </p:extLst>
           </p:nvPr>
         </p:nvGraphicFramePr>
         <p:xfrm>
-          <a:off x="5752110" y="5130488"/>
+          <a:off x="6757789" y="5076109"/>
           <a:ext cx="2192245" cy="1407069"/>
         </p:xfrm>
         <a:graphic>
@@ -4395,13 +4171,13 @@
           <p:nvPr>
             <p:extLst>
               <p:ext uri="{D42A27DB-BD31-4B8C-83A1-F6EECF244321}">
-                <p14:modId xmlns:p14="http://schemas.microsoft.com/office/powerpoint/2010/main" val="3491157297"/>
+                <p14:modId xmlns:p14="http://schemas.microsoft.com/office/powerpoint/2010/main" val="3777126056"/>
               </p:ext>
             </p:extLst>
           </p:nvPr>
         </p:nvGraphicFramePr>
         <p:xfrm>
-          <a:off x="3686476" y="4940390"/>
+          <a:off x="4759965" y="4711545"/>
           <a:ext cx="1572258" cy="1526293"/>
         </p:xfrm>
         <a:graphic>
@@ -4425,14 +4201,14 @@
                       <a:r>
                         <a:rPr lang="en-US" altLang="ko-KR" sz="1000" dirty="0" err="1" smtClean="0">
                           <a:solidFill>
-                            <a:schemeClr val="tx1"/>
+                            <a:srgbClr val="7030A0"/>
                           </a:solidFill>
                         </a:rPr>
                         <a:t>Surgery_schedule</a:t>
                       </a:r>
                       <a:endParaRPr lang="ko-KR" altLang="en-US" sz="1000" dirty="0">
                         <a:solidFill>
-                          <a:schemeClr val="tx1"/>
+                          <a:srgbClr val="7030A0"/>
                         </a:solidFill>
                       </a:endParaRPr>
                     </a:p>
@@ -4472,14 +4248,14 @@
                       <a:r>
                         <a:rPr lang="en-US" altLang="ko-KR" sz="800" dirty="0" err="1" smtClean="0">
                           <a:solidFill>
-                            <a:schemeClr val="tx1"/>
+                            <a:srgbClr val="7030A0"/>
                           </a:solidFill>
                         </a:rPr>
                         <a:t>Surgery_schedule_id</a:t>
                       </a:r>
                       <a:endParaRPr lang="ko-KR" altLang="en-US" sz="800" dirty="0">
                         <a:solidFill>
-                          <a:schemeClr val="tx1"/>
+                          <a:srgbClr val="7030A0"/>
                         </a:solidFill>
                       </a:endParaRPr>
                     </a:p>
@@ -4495,14 +4271,14 @@
                       <a:r>
                         <a:rPr lang="en-US" altLang="ko-KR" sz="800" dirty="0" err="1" smtClean="0">
                           <a:solidFill>
-                            <a:schemeClr val="tx1"/>
+                            <a:srgbClr val="7030A0"/>
                           </a:solidFill>
                         </a:rPr>
                         <a:t>Int</a:t>
                       </a:r>
                       <a:endParaRPr lang="ko-KR" altLang="en-US" sz="800" dirty="0">
                         <a:solidFill>
-                          <a:schemeClr val="tx1"/>
+                          <a:srgbClr val="7030A0"/>
                         </a:solidFill>
                       </a:endParaRPr>
                     </a:p>
@@ -4518,14 +4294,14 @@
                       <a:r>
                         <a:rPr lang="en-US" altLang="ko-KR" sz="800" dirty="0" err="1" smtClean="0">
                           <a:solidFill>
-                            <a:schemeClr val="tx1"/>
+                            <a:srgbClr val="7030A0"/>
                           </a:solidFill>
                         </a:rPr>
                         <a:t>pk</a:t>
                       </a:r>
                       <a:endParaRPr lang="ko-KR" altLang="en-US" sz="800" dirty="0">
                         <a:solidFill>
-                          <a:schemeClr val="tx1"/>
+                          <a:srgbClr val="7030A0"/>
                         </a:solidFill>
                       </a:endParaRPr>
                     </a:p>
@@ -4543,14 +4319,14 @@
                       <a:r>
                         <a:rPr lang="en-US" altLang="ko-KR" sz="800" dirty="0" err="1" smtClean="0">
                           <a:solidFill>
-                            <a:schemeClr val="tx1"/>
+                            <a:srgbClr val="7030A0"/>
                           </a:solidFill>
                         </a:rPr>
                         <a:t>Patient_id</a:t>
                       </a:r>
                       <a:endParaRPr lang="ko-KR" altLang="en-US" sz="800" dirty="0">
                         <a:solidFill>
-                          <a:schemeClr val="tx1"/>
+                          <a:srgbClr val="7030A0"/>
                         </a:solidFill>
                       </a:endParaRPr>
                     </a:p>
@@ -4566,14 +4342,14 @@
                       <a:r>
                         <a:rPr lang="en-US" altLang="ko-KR" sz="800" dirty="0" err="1" smtClean="0">
                           <a:solidFill>
-                            <a:schemeClr val="tx1"/>
+                            <a:srgbClr val="7030A0"/>
                           </a:solidFill>
                         </a:rPr>
                         <a:t>Int</a:t>
                       </a:r>
                       <a:endParaRPr lang="ko-KR" altLang="en-US" sz="800" dirty="0">
                         <a:solidFill>
-                          <a:schemeClr val="tx1"/>
+                          <a:srgbClr val="7030A0"/>
                         </a:solidFill>
                       </a:endParaRPr>
                     </a:p>
@@ -4589,14 +4365,14 @@
                       <a:r>
                         <a:rPr lang="en-US" altLang="ko-KR" sz="800" dirty="0" smtClean="0">
                           <a:solidFill>
-                            <a:schemeClr val="tx1"/>
+                            <a:srgbClr val="7030A0"/>
                           </a:solidFill>
                         </a:rPr>
                         <a:t>FK</a:t>
                       </a:r>
                       <a:endParaRPr lang="ko-KR" altLang="en-US" sz="800" dirty="0">
                         <a:solidFill>
-                          <a:schemeClr val="tx1"/>
+                          <a:srgbClr val="7030A0"/>
                         </a:solidFill>
                       </a:endParaRPr>
                     </a:p>
@@ -4614,14 +4390,14 @@
                       <a:r>
                         <a:rPr lang="en-US" altLang="ko-KR" sz="800" dirty="0" err="1" smtClean="0">
                           <a:solidFill>
-                            <a:schemeClr val="tx1"/>
+                            <a:srgbClr val="7030A0"/>
                           </a:solidFill>
                         </a:rPr>
                         <a:t>doctor_id</a:t>
                       </a:r>
                       <a:endParaRPr lang="ko-KR" altLang="en-US" sz="800" dirty="0">
                         <a:solidFill>
-                          <a:schemeClr val="tx1"/>
+                          <a:srgbClr val="7030A0"/>
                         </a:solidFill>
                       </a:endParaRPr>
                     </a:p>
@@ -4637,14 +4413,14 @@
                       <a:r>
                         <a:rPr lang="en-US" altLang="ko-KR" sz="800" dirty="0" err="1" smtClean="0">
                           <a:solidFill>
-                            <a:schemeClr val="tx1"/>
+                            <a:srgbClr val="7030A0"/>
                           </a:solidFill>
                         </a:rPr>
                         <a:t>Int</a:t>
                       </a:r>
                       <a:endParaRPr lang="ko-KR" altLang="en-US" sz="800" dirty="0">
                         <a:solidFill>
-                          <a:schemeClr val="tx1"/>
+                          <a:srgbClr val="7030A0"/>
                         </a:solidFill>
                       </a:endParaRPr>
                     </a:p>
@@ -4660,14 +4436,14 @@
                       <a:r>
                         <a:rPr lang="en-US" altLang="ko-KR" sz="800" dirty="0" smtClean="0">
                           <a:solidFill>
-                            <a:schemeClr val="tx1"/>
+                            <a:srgbClr val="7030A0"/>
                           </a:solidFill>
                         </a:rPr>
                         <a:t>FK</a:t>
                       </a:r>
                       <a:endParaRPr lang="ko-KR" altLang="en-US" sz="800" dirty="0">
                         <a:solidFill>
-                          <a:schemeClr val="tx1"/>
+                          <a:srgbClr val="7030A0"/>
                         </a:solidFill>
                       </a:endParaRPr>
                     </a:p>
@@ -4688,14 +4464,14 @@
           <p:nvPr>
             <p:extLst>
               <p:ext uri="{D42A27DB-BD31-4B8C-83A1-F6EECF244321}">
-                <p14:modId xmlns:p14="http://schemas.microsoft.com/office/powerpoint/2010/main" val="179236411"/>
+                <p14:modId xmlns:p14="http://schemas.microsoft.com/office/powerpoint/2010/main" val="4189574781"/>
               </p:ext>
             </p:extLst>
           </p:nvPr>
         </p:nvGraphicFramePr>
         <p:xfrm>
-          <a:off x="7097402" y="3925797"/>
-          <a:ext cx="1965994" cy="819131"/>
+          <a:off x="7284722" y="3644862"/>
+          <a:ext cx="1572258" cy="1141019"/>
         </p:xfrm>
         <a:graphic>
           <a:graphicData uri="http://schemas.openxmlformats.org/drawingml/2006/table">
@@ -4704,11 +4480,11 @@
                 <a:tableStyleId>{5C22544A-7EE6-4342-B048-85BDC9FD1C3A}</a:tableStyleId>
               </a:tblPr>
               <a:tblGrid>
-                <a:gridCol w="872344"/>
-                <a:gridCol w="761473"/>
-                <a:gridCol w="332177"/>
+                <a:gridCol w="741679"/>
+                <a:gridCol w="396240"/>
+                <a:gridCol w="434339"/>
               </a:tblGrid>
-              <a:tr h="210004">
+              <a:tr h="281130">
                 <a:tc gridSpan="3">
                   <a:txBody>
                     <a:bodyPr/>
@@ -4755,7 +4531,7 @@
                   <a:tcPr/>
                 </a:tc>
               </a:tr>
-              <a:tr h="288755">
+              <a:tr h="402689">
                 <a:tc>
                   <a:txBody>
                     <a:bodyPr/>
@@ -4810,7 +4586,7 @@
                   <a:tcPr/>
                 </a:tc>
               </a:tr>
-              <a:tr h="240011">
+              <a:tr h="402689">
                 <a:tc>
                   <a:txBody>
                     <a:bodyPr/>
@@ -4833,28 +4609,20 @@
                     <a:p>
                       <a:pPr latinLnBrk="1"/>
                       <a:r>
-                        <a:rPr lang="en-US" altLang="ko-KR" sz="800" dirty="0" err="1" smtClean="0"/>
-                        <a:t>Int</a:t>
-                      </a:r>
-                      <a:r>
-                        <a:rPr lang="en-US" altLang="ko-KR" sz="800" smtClean="0"/>
-                        <a:t>(11)</a:t>
-                      </a:r>
-                      <a:endParaRPr lang="ko-KR" altLang="en-US" sz="800" dirty="0"/>
-                    </a:p>
-                  </a:txBody>
-                  <a:tcPr/>
-                </a:tc>
-                <a:tc>
-                  <a:txBody>
-                    <a:bodyPr/>
-                    <a:lstStyle/>
-                    <a:p>
-                      <a:pPr latinLnBrk="1"/>
-                      <a:r>
-                        <a:rPr lang="en-US" altLang="ko-KR" sz="800" dirty="0" err="1" smtClean="0"/>
-                        <a:t>fk</a:t>
-                      </a:r>
+                        <a:rPr lang="en-US" altLang="ko-KR" sz="800" dirty="0" smtClean="0"/>
+                        <a:t>Varchar(30)</a:t>
+                      </a:r>
+                      <a:endParaRPr lang="ko-KR" altLang="en-US" sz="800" dirty="0"/>
+                    </a:p>
+                  </a:txBody>
+                  <a:tcPr/>
+                </a:tc>
+                <a:tc>
+                  <a:txBody>
+                    <a:bodyPr/>
+                    <a:lstStyle/>
+                    <a:p>
+                      <a:pPr latinLnBrk="1"/>
                       <a:endParaRPr lang="ko-KR" altLang="en-US" sz="800" dirty="0"/>
                     </a:p>
                   </a:txBody>
@@ -4874,13 +4642,13 @@
           <p:nvPr>
             <p:extLst>
               <p:ext uri="{D42A27DB-BD31-4B8C-83A1-F6EECF244321}">
-                <p14:modId xmlns:p14="http://schemas.microsoft.com/office/powerpoint/2010/main" val="3712868959"/>
+                <p14:modId xmlns:p14="http://schemas.microsoft.com/office/powerpoint/2010/main" val="898479449"/>
               </p:ext>
             </p:extLst>
           </p:nvPr>
         </p:nvGraphicFramePr>
         <p:xfrm>
-          <a:off x="3884462" y="2839559"/>
+          <a:off x="4789178" y="3268585"/>
           <a:ext cx="1769105" cy="899856"/>
         </p:xfrm>
         <a:graphic>
@@ -5019,28 +4787,20 @@
                     <a:p>
                       <a:pPr latinLnBrk="1"/>
                       <a:r>
-                        <a:rPr lang="en-US" altLang="ko-KR" sz="800" dirty="0" err="1" smtClean="0"/>
-                        <a:t>Int</a:t>
-                      </a:r>
-                      <a:r>
                         <a:rPr lang="en-US" altLang="ko-KR" sz="800" dirty="0" smtClean="0"/>
-                        <a:t>(11)</a:t>
-                      </a:r>
-                      <a:endParaRPr lang="ko-KR" altLang="en-US" sz="800" dirty="0"/>
-                    </a:p>
-                  </a:txBody>
-                  <a:tcPr/>
-                </a:tc>
-                <a:tc>
-                  <a:txBody>
-                    <a:bodyPr/>
-                    <a:lstStyle/>
-                    <a:p>
-                      <a:pPr latinLnBrk="1"/>
-                      <a:r>
-                        <a:rPr lang="en-US" altLang="ko-KR" sz="800" dirty="0" err="1" smtClean="0"/>
-                        <a:t>fk</a:t>
-                      </a:r>
+                        <a:t>Varchar(30)</a:t>
+                      </a:r>
+                      <a:endParaRPr lang="ko-KR" altLang="en-US" sz="800" dirty="0"/>
+                    </a:p>
+                  </a:txBody>
+                  <a:tcPr/>
+                </a:tc>
+                <a:tc>
+                  <a:txBody>
+                    <a:bodyPr/>
+                    <a:lstStyle/>
+                    <a:p>
+                      <a:pPr latinLnBrk="1"/>
                       <a:endParaRPr lang="ko-KR" altLang="en-US" sz="800" dirty="0"/>
                     </a:p>
                   </a:txBody>
@@ -5408,14 +5168,14 @@
           <p:nvPr>
             <p:extLst>
               <p:ext uri="{D42A27DB-BD31-4B8C-83A1-F6EECF244321}">
-                <p14:modId xmlns:p14="http://schemas.microsoft.com/office/powerpoint/2010/main" val="363618874"/>
+                <p14:modId xmlns:p14="http://schemas.microsoft.com/office/powerpoint/2010/main" val="2853151571"/>
               </p:ext>
             </p:extLst>
           </p:nvPr>
         </p:nvGraphicFramePr>
         <p:xfrm>
-          <a:off x="6064395" y="2172023"/>
-          <a:ext cx="2359730" cy="1493520"/>
+          <a:off x="6990215" y="1618140"/>
+          <a:ext cx="2359730" cy="1706880"/>
         </p:xfrm>
         <a:graphic>
           <a:graphicData uri="http://schemas.openxmlformats.org/drawingml/2006/table">
@@ -5632,7 +5392,7 @@
                       <a:pPr latinLnBrk="1"/>
                       <a:r>
                         <a:rPr lang="en-US" altLang="ko-KR" sz="800" dirty="0" smtClean="0"/>
-                        <a:t>Char(11_</a:t>
+                        <a:t>Char(11)_</a:t>
                       </a:r>
                       <a:endParaRPr lang="ko-KR" altLang="en-US" sz="800" dirty="0"/>
                     </a:p>
@@ -5719,6 +5479,49 @@
                       <a:r>
                         <a:rPr lang="en-US" altLang="ko-KR" sz="800" dirty="0" smtClean="0"/>
                         <a:t>Varchar(20)</a:t>
+                      </a:r>
+                      <a:endParaRPr lang="ko-KR" altLang="en-US" sz="800" dirty="0"/>
+                    </a:p>
+                  </a:txBody>
+                  <a:tcPr/>
+                </a:tc>
+                <a:tc>
+                  <a:txBody>
+                    <a:bodyPr/>
+                    <a:lstStyle/>
+                    <a:p>
+                      <a:pPr latinLnBrk="1"/>
+                      <a:endParaRPr lang="ko-KR" altLang="en-US" sz="800" dirty="0"/>
+                    </a:p>
+                  </a:txBody>
+                  <a:tcPr/>
+                </a:tc>
+              </a:tr>
+              <a:tr h="171288">
+                <a:tc>
+                  <a:txBody>
+                    <a:bodyPr/>
+                    <a:lstStyle/>
+                    <a:p>
+                      <a:pPr latinLnBrk="1"/>
+                      <a:r>
+                        <a:rPr lang="en-US" altLang="ko-KR" sz="800" dirty="0" err="1" smtClean="0"/>
+                        <a:t>Employee_password</a:t>
+                      </a:r>
+                      <a:endParaRPr lang="ko-KR" altLang="en-US" sz="800" dirty="0"/>
+                    </a:p>
+                  </a:txBody>
+                  <a:tcPr/>
+                </a:tc>
+                <a:tc>
+                  <a:txBody>
+                    <a:bodyPr/>
+                    <a:lstStyle/>
+                    <a:p>
+                      <a:pPr latinLnBrk="1"/>
+                      <a:r>
+                        <a:rPr lang="en-US" altLang="ko-KR" sz="800" dirty="0" smtClean="0"/>
+                        <a:t>Varchar(30)</a:t>
                       </a:r>
                       <a:endParaRPr lang="ko-KR" altLang="en-US" sz="800" dirty="0"/>
                     </a:p>
@@ -6513,13 +6316,13 @@
           <p:nvPr>
             <p:extLst>
               <p:ext uri="{D42A27DB-BD31-4B8C-83A1-F6EECF244321}">
-                <p14:modId xmlns:p14="http://schemas.microsoft.com/office/powerpoint/2010/main" val="4163475893"/>
+                <p14:modId xmlns:p14="http://schemas.microsoft.com/office/powerpoint/2010/main" val="277752834"/>
               </p:ext>
             </p:extLst>
           </p:nvPr>
         </p:nvGraphicFramePr>
         <p:xfrm>
-          <a:off x="-53305" y="1982714"/>
+          <a:off x="-115920" y="1982714"/>
           <a:ext cx="1821151" cy="1424455"/>
         </p:xfrm>
         <a:graphic>
@@ -6775,8 +6578,8 @@
         </p:nvCxnSpPr>
         <p:spPr>
           <a:xfrm flipV="1">
-            <a:off x="857270" y="1625909"/>
-            <a:ext cx="92688" cy="356805"/>
+            <a:off x="794655" y="1625909"/>
+            <a:ext cx="155303" cy="356805"/>
           </a:xfrm>
           <a:prstGeom prst="straightConnector1">
             <a:avLst/>
@@ -6876,15 +6679,15 @@
         <p:nvCxnSpPr>
           <p:cNvPr id="49" name="직선 화살표 연결선 48"/>
           <p:cNvCxnSpPr>
-            <a:stCxn id="11" idx="3"/>
+            <a:stCxn id="11" idx="0"/>
             <a:endCxn id="13" idx="1"/>
           </p:cNvCxnSpPr>
           <p:nvPr/>
         </p:nvCxnSpPr>
         <p:spPr>
           <a:xfrm flipV="1">
-            <a:off x="5653567" y="2918783"/>
-            <a:ext cx="410828" cy="370704"/>
+            <a:off x="5673730" y="2471580"/>
+            <a:ext cx="1316485" cy="797005"/>
           </a:xfrm>
           <a:prstGeom prst="straightConnector1">
             <a:avLst/>
@@ -6916,13 +6719,14 @@
           <p:cNvPr id="51" name="직선 화살표 연결선 50"/>
           <p:cNvCxnSpPr>
             <a:stCxn id="10" idx="0"/>
+            <a:endCxn id="13" idx="2"/>
           </p:cNvCxnSpPr>
           <p:nvPr/>
         </p:nvCxnSpPr>
         <p:spPr>
-          <a:xfrm flipH="1" flipV="1">
-            <a:off x="7470748" y="3714879"/>
-            <a:ext cx="609651" cy="210918"/>
+          <a:xfrm flipV="1">
+            <a:off x="8070851" y="3325020"/>
+            <a:ext cx="99229" cy="319842"/>
           </a:xfrm>
           <a:prstGeom prst="straightConnector1">
             <a:avLst/>
@@ -6961,14 +6765,14 @@
         <p:spPr>
           <a:xfrm flipH="1" flipV="1">
             <a:off x="3596011" y="2994110"/>
-            <a:ext cx="90465" cy="2709426"/>
+            <a:ext cx="1163954" cy="2480581"/>
           </a:xfrm>
           <a:prstGeom prst="straightConnector1">
             <a:avLst/>
           </a:prstGeom>
           <a:ln>
             <a:solidFill>
-              <a:schemeClr val="accent1"/>
+              <a:srgbClr val="7030A0"/>
             </a:solidFill>
             <a:tailEnd type="triangle"/>
           </a:ln>
@@ -6999,12 +6803,12 @@
         </p:nvCxnSpPr>
         <p:spPr>
           <a:xfrm rot="5400000" flipH="1">
-            <a:off x="3475357" y="3164682"/>
-            <a:ext cx="679528" cy="6066223"/>
+            <a:off x="4005385" y="2634653"/>
+            <a:ext cx="625149" cy="7071902"/>
           </a:xfrm>
           <a:prstGeom prst="curvedConnector3">
             <a:avLst>
-              <a:gd name="adj1" fmla="val -33641"/>
+              <a:gd name="adj1" fmla="val -36567"/>
             </a:avLst>
           </a:prstGeom>
           <a:ln>
@@ -7040,15 +6844,15 @@
         </p:nvCxnSpPr>
         <p:spPr>
           <a:xfrm flipV="1">
-            <a:off x="4472605" y="3739415"/>
-            <a:ext cx="296409" cy="1200975"/>
+            <a:off x="5546094" y="4168441"/>
+            <a:ext cx="127636" cy="543104"/>
           </a:xfrm>
           <a:prstGeom prst="straightConnector1">
             <a:avLst/>
           </a:prstGeom>
           <a:ln>
             <a:solidFill>
-              <a:schemeClr val="accent1"/>
+              <a:srgbClr val="7030A0"/>
             </a:solidFill>
             <a:tailEnd type="triangle"/>
           </a:ln>
@@ -7080,14 +6884,14 @@
         <p:spPr>
           <a:xfrm>
             <a:off x="3596011" y="2994110"/>
-            <a:ext cx="288451" cy="295377"/>
+            <a:ext cx="1193167" cy="724403"/>
           </a:xfrm>
           <a:prstGeom prst="straightConnector1">
             <a:avLst/>
           </a:prstGeom>
           <a:ln>
             <a:solidFill>
-              <a:schemeClr val="accent1"/>
+              <a:srgbClr val="FF0000"/>
             </a:solidFill>
             <a:tailEnd type="triangle"/>
           </a:ln>
@@ -7116,13 +6920,13 @@
           <p:nvPr>
             <p:extLst>
               <p:ext uri="{D42A27DB-BD31-4B8C-83A1-F6EECF244321}">
-                <p14:modId xmlns:p14="http://schemas.microsoft.com/office/powerpoint/2010/main" val="2452450150"/>
+                <p14:modId xmlns:p14="http://schemas.microsoft.com/office/powerpoint/2010/main" val="2350083422"/>
               </p:ext>
             </p:extLst>
           </p:nvPr>
         </p:nvGraphicFramePr>
         <p:xfrm>
-          <a:off x="3772043" y="356577"/>
+          <a:off x="4214319" y="600810"/>
           <a:ext cx="2214363" cy="2164080"/>
         </p:xfrm>
         <a:graphic>
@@ -7621,7 +7425,7 @@
         <p:spPr>
           <a:xfrm flipH="1" flipV="1">
             <a:off x="1899918" y="851115"/>
-            <a:ext cx="1872125" cy="587502"/>
+            <a:ext cx="2314401" cy="831735"/>
           </a:xfrm>
           <a:prstGeom prst="straightConnector1">
             <a:avLst/>
@@ -7649,15 +7453,14 @@
         <p:nvCxnSpPr>
           <p:cNvPr id="116" name="직선 화살표 연결선 115"/>
           <p:cNvCxnSpPr>
-            <a:stCxn id="111" idx="3"/>
             <a:endCxn id="6" idx="1"/>
           </p:cNvCxnSpPr>
           <p:nvPr/>
         </p:nvCxnSpPr>
         <p:spPr>
           <a:xfrm flipV="1">
-            <a:off x="5986406" y="850656"/>
-            <a:ext cx="771382" cy="587961"/>
+            <a:off x="6428682" y="850656"/>
+            <a:ext cx="329106" cy="895768"/>
           </a:xfrm>
           <a:prstGeom prst="straightConnector1">
             <a:avLst/>
@@ -7691,255 +7494,9 @@
           <p:nvPr/>
         </p:nvCxnSpPr>
         <p:spPr>
-          <a:xfrm flipH="1">
-            <a:off x="4769014" y="2520657"/>
-            <a:ext cx="110210" cy="318902"/>
-          </a:xfrm>
-          <a:prstGeom prst="straightConnector1">
-            <a:avLst/>
-          </a:prstGeom>
-          <a:ln>
-            <a:tailEnd type="triangle"/>
-          </a:ln>
-        </p:spPr>
-        <p:style>
-          <a:lnRef idx="1">
-            <a:schemeClr val="accent1"/>
-          </a:lnRef>
-          <a:fillRef idx="0">
-            <a:schemeClr val="accent1"/>
-          </a:fillRef>
-          <a:effectRef idx="0">
-            <a:schemeClr val="accent1"/>
-          </a:effectRef>
-          <a:fontRef idx="minor">
-            <a:schemeClr val="tx1"/>
-          </a:fontRef>
-        </p:style>
-      </p:cxnSp>
-      <p:graphicFrame>
-        <p:nvGraphicFramePr>
-          <p:cNvPr id="52" name="표 51"/>
-          <p:cNvGraphicFramePr>
-            <a:graphicFrameLocks noGrp="1"/>
-          </p:cNvGraphicFramePr>
-          <p:nvPr>
-            <p:extLst>
-              <p:ext uri="{D42A27DB-BD31-4B8C-83A1-F6EECF244321}">
-                <p14:modId xmlns:p14="http://schemas.microsoft.com/office/powerpoint/2010/main" val="637942086"/>
-              </p:ext>
-            </p:extLst>
-          </p:nvPr>
-        </p:nvGraphicFramePr>
-        <p:xfrm>
-          <a:off x="4943200" y="3950351"/>
-          <a:ext cx="1905032" cy="940385"/>
-        </p:xfrm>
-        <a:graphic>
-          <a:graphicData uri="http://schemas.openxmlformats.org/drawingml/2006/table">
-            <a:tbl>
-              <a:tblPr firstRow="1" bandRow="1">
-                <a:tableStyleId>{5C22544A-7EE6-4342-B048-85BDC9FD1C3A}</a:tableStyleId>
-              </a:tblPr>
-              <a:tblGrid>
-                <a:gridCol w="898658"/>
-                <a:gridCol w="733128"/>
-                <a:gridCol w="273246"/>
-              </a:tblGrid>
-              <a:tr h="243649">
-                <a:tc gridSpan="3">
-                  <a:txBody>
-                    <a:bodyPr/>
-                    <a:lstStyle/>
-                    <a:p>
-                      <a:pPr latinLnBrk="1"/>
-                      <a:r>
-                        <a:rPr lang="en-US" altLang="ko-KR" sz="1000" dirty="0" smtClean="0">
-                          <a:solidFill>
-                            <a:schemeClr val="tx1"/>
-                          </a:solidFill>
-                        </a:rPr>
-                        <a:t>Department</a:t>
-                      </a:r>
-                      <a:endParaRPr lang="ko-KR" altLang="en-US" sz="1000" dirty="0">
-                        <a:solidFill>
-                          <a:schemeClr val="tx1"/>
-                        </a:solidFill>
-                      </a:endParaRPr>
-                    </a:p>
-                  </a:txBody>
-                  <a:tcPr/>
-                </a:tc>
-                <a:tc hMerge="1">
-                  <a:txBody>
-                    <a:bodyPr/>
-                    <a:lstStyle/>
-                    <a:p>
-                      <a:pPr latinLnBrk="1"/>
-                      <a:endParaRPr lang="ko-KR" altLang="en-US" dirty="0"/>
-                    </a:p>
-                  </a:txBody>
-                  <a:tcPr/>
-                </a:tc>
-                <a:tc hMerge="1">
-                  <a:txBody>
-                    <a:bodyPr/>
-                    <a:lstStyle/>
-                    <a:p>
-                      <a:pPr latinLnBrk="1"/>
-                      <a:endParaRPr lang="ko-KR" altLang="en-US" dirty="0"/>
-                    </a:p>
-                  </a:txBody>
-                  <a:tcPr/>
-                </a:tc>
-              </a:tr>
-              <a:tr h="347544">
-                <a:tc>
-                  <a:txBody>
-                    <a:bodyPr/>
-                    <a:lstStyle/>
-                    <a:p>
-                      <a:pPr latinLnBrk="1"/>
-                      <a:r>
-                        <a:rPr lang="en-US" altLang="ko-KR" sz="800" dirty="0" err="1" smtClean="0"/>
-                        <a:t>Department_id</a:t>
-                      </a:r>
-                      <a:endParaRPr lang="ko-KR" altLang="en-US" sz="800" dirty="0"/>
-                    </a:p>
-                  </a:txBody>
-                  <a:tcPr/>
-                </a:tc>
-                <a:tc>
-                  <a:txBody>
-                    <a:bodyPr/>
-                    <a:lstStyle/>
-                    <a:p>
-                      <a:pPr latinLnBrk="1"/>
-                      <a:r>
-                        <a:rPr lang="en-US" altLang="ko-KR" sz="800" dirty="0" err="1" smtClean="0"/>
-                        <a:t>Int</a:t>
-                      </a:r>
-                      <a:r>
-                        <a:rPr lang="en-US" altLang="ko-KR" sz="800" dirty="0" smtClean="0"/>
-                        <a:t>(11)</a:t>
-                      </a:r>
-                      <a:endParaRPr lang="ko-KR" altLang="en-US" sz="800" dirty="0"/>
-                    </a:p>
-                  </a:txBody>
-                  <a:tcPr/>
-                </a:tc>
-                <a:tc>
-                  <a:txBody>
-                    <a:bodyPr/>
-                    <a:lstStyle/>
-                    <a:p>
-                      <a:pPr latinLnBrk="1"/>
-                      <a:r>
-                        <a:rPr lang="en-US" altLang="ko-KR" sz="800" dirty="0" err="1" smtClean="0"/>
-                        <a:t>Pk</a:t>
-                      </a:r>
-                      <a:endParaRPr lang="ko-KR" altLang="en-US" sz="800" dirty="0"/>
-                    </a:p>
-                  </a:txBody>
-                  <a:tcPr/>
-                </a:tc>
-              </a:tr>
-              <a:tr h="349001">
-                <a:tc>
-                  <a:txBody>
-                    <a:bodyPr/>
-                    <a:lstStyle/>
-                    <a:p>
-                      <a:pPr latinLnBrk="1"/>
-                      <a:r>
-                        <a:rPr lang="en-US" altLang="ko-KR" sz="800" dirty="0" err="1" smtClean="0"/>
-                        <a:t>Department_name</a:t>
-                      </a:r>
-                      <a:endParaRPr lang="ko-KR" altLang="en-US" sz="800" dirty="0"/>
-                    </a:p>
-                  </a:txBody>
-                  <a:tcPr/>
-                </a:tc>
-                <a:tc>
-                  <a:txBody>
-                    <a:bodyPr/>
-                    <a:lstStyle/>
-                    <a:p>
-                      <a:pPr latinLnBrk="1"/>
-                      <a:r>
-                        <a:rPr lang="en-US" altLang="ko-KR" sz="800" dirty="0" smtClean="0"/>
-                        <a:t>Varchar(30)</a:t>
-                      </a:r>
-                      <a:endParaRPr lang="ko-KR" altLang="en-US" sz="800" dirty="0"/>
-                    </a:p>
-                  </a:txBody>
-                  <a:tcPr/>
-                </a:tc>
-                <a:tc>
-                  <a:txBody>
-                    <a:bodyPr/>
-                    <a:lstStyle/>
-                    <a:p>
-                      <a:pPr latinLnBrk="1"/>
-                      <a:endParaRPr lang="ko-KR" altLang="en-US" sz="800" dirty="0"/>
-                    </a:p>
-                  </a:txBody>
-                  <a:tcPr/>
-                </a:tc>
-              </a:tr>
-            </a:tbl>
-          </a:graphicData>
-        </a:graphic>
-      </p:graphicFrame>
-      <p:cxnSp>
-        <p:nvCxnSpPr>
-          <p:cNvPr id="67" name="직선 화살표 연결선 66"/>
-          <p:cNvCxnSpPr>
-            <a:stCxn id="11" idx="2"/>
-            <a:endCxn id="52" idx="0"/>
-          </p:cNvCxnSpPr>
-          <p:nvPr/>
-        </p:nvCxnSpPr>
-        <p:spPr>
           <a:xfrm>
-            <a:off x="4769014" y="3739415"/>
-            <a:ext cx="1126702" cy="210936"/>
-          </a:xfrm>
-          <a:prstGeom prst="straightConnector1">
-            <a:avLst/>
-          </a:prstGeom>
-          <a:ln>
-            <a:tailEnd type="triangle"/>
-          </a:ln>
-        </p:spPr>
-        <p:style>
-          <a:lnRef idx="1">
-            <a:schemeClr val="accent1"/>
-          </a:lnRef>
-          <a:fillRef idx="0">
-            <a:schemeClr val="accent1"/>
-          </a:fillRef>
-          <a:effectRef idx="0">
-            <a:schemeClr val="accent1"/>
-          </a:effectRef>
-          <a:fontRef idx="minor">
-            <a:schemeClr val="tx1"/>
-          </a:fontRef>
-        </p:style>
-      </p:cxnSp>
-      <p:cxnSp>
-        <p:nvCxnSpPr>
-          <p:cNvPr id="70" name="직선 화살표 연결선 69"/>
-          <p:cNvCxnSpPr>
-            <a:stCxn id="10" idx="1"/>
-            <a:endCxn id="52" idx="3"/>
-          </p:cNvCxnSpPr>
-          <p:nvPr/>
-        </p:nvCxnSpPr>
-        <p:spPr>
-          <a:xfrm flipH="1">
-            <a:off x="6848232" y="4335362"/>
-            <a:ext cx="249170" cy="85181"/>
+            <a:off x="5321500" y="2764890"/>
+            <a:ext cx="352230" cy="503695"/>
           </a:xfrm>
           <a:prstGeom prst="straightConnector1">
             <a:avLst/>

--- a/mysql_doc/db 현재의 스키마.pptx
+++ b/mysql_doc/db 현재의 스키마.pptx
@@ -3064,7 +3064,6 @@
               <a:rPr lang="en-US" altLang="ko-KR" sz="1600" dirty="0" smtClean="0"/>
               <a:t> </a:t>
             </a:r>
-            <a:endParaRPr lang="en-US" altLang="ko-KR" sz="1600" dirty="0" smtClean="0"/>
           </a:p>
           <a:p>
             <a:pPr algn="l"/>
@@ -6916,13 +6915,14 @@
           <p:cNvPr id="51" name="직선 화살표 연결선 50"/>
           <p:cNvCxnSpPr>
             <a:stCxn id="10" idx="0"/>
+            <a:endCxn id="13" idx="2"/>
           </p:cNvCxnSpPr>
           <p:nvPr/>
         </p:nvCxnSpPr>
         <p:spPr>
           <a:xfrm flipH="1" flipV="1">
-            <a:off x="7470748" y="3714879"/>
-            <a:ext cx="609651" cy="210918"/>
+            <a:off x="7244260" y="3665543"/>
+            <a:ext cx="836139" cy="260254"/>
           </a:xfrm>
           <a:prstGeom prst="straightConnector1">
             <a:avLst/>

--- a/mysql_doc/db 현재의 스키마.pptx
+++ b/mysql_doc/db 현재의 스키마.pptx
@@ -4687,13 +4687,13 @@
           <p:nvPr>
             <p:extLst>
               <p:ext uri="{D42A27DB-BD31-4B8C-83A1-F6EECF244321}">
-                <p14:modId xmlns:p14="http://schemas.microsoft.com/office/powerpoint/2010/main" val="179236411"/>
+                <p14:modId xmlns:p14="http://schemas.microsoft.com/office/powerpoint/2010/main" val="1556062057"/>
               </p:ext>
             </p:extLst>
           </p:nvPr>
         </p:nvGraphicFramePr>
         <p:xfrm>
-          <a:off x="7097402" y="3925797"/>
+          <a:off x="7097402" y="4052797"/>
           <a:ext cx="1965994" cy="819131"/>
         </p:xfrm>
         <a:graphic>
@@ -4707,7 +4707,7 @@
                 <a:gridCol w="761473"/>
                 <a:gridCol w="332177"/>
               </a:tblGrid>
-              <a:tr h="210004">
+              <a:tr h="0">
                 <a:tc gridSpan="3">
                   <a:txBody>
                     <a:bodyPr/>
@@ -6922,7 +6922,7 @@
         <p:spPr>
           <a:xfrm flipH="1" flipV="1">
             <a:off x="7244260" y="3665543"/>
-            <a:ext cx="836139" cy="260254"/>
+            <a:ext cx="836139" cy="387254"/>
           </a:xfrm>
           <a:prstGeom prst="straightConnector1">
             <a:avLst/>
@@ -7116,7 +7116,7 @@
           <p:nvPr>
             <p:extLst>
               <p:ext uri="{D42A27DB-BD31-4B8C-83A1-F6EECF244321}">
-                <p14:modId xmlns:p14="http://schemas.microsoft.com/office/powerpoint/2010/main" val="2452450150"/>
+                <p14:modId xmlns:p14="http://schemas.microsoft.com/office/powerpoint/2010/main" val="500209540"/>
               </p:ext>
             </p:extLst>
           </p:nvPr>
@@ -7149,7 +7149,7 @@
                             <a:schemeClr val="tx1"/>
                           </a:solidFill>
                         </a:rPr>
-                        <a:t>Medical_history</a:t>
+                        <a:t>Medical_record</a:t>
                       </a:r>
                       <a:endParaRPr lang="ko-KR" altLang="en-US" sz="1000" dirty="0">
                         <a:solidFill>
@@ -7627,6 +7627,9 @@
             <a:avLst/>
           </a:prstGeom>
           <a:ln>
+            <a:solidFill>
+              <a:schemeClr val="accent1"/>
+            </a:solidFill>
             <a:tailEnd type="triangle"/>
           </a:ln>
         </p:spPr>
@@ -7663,6 +7666,9 @@
             <a:avLst/>
           </a:prstGeom>
           <a:ln>
+            <a:solidFill>
+              <a:schemeClr val="accent1"/>
+            </a:solidFill>
             <a:tailEnd type="triangle"/>
           </a:ln>
         </p:spPr>
@@ -7699,6 +7705,9 @@
             <a:avLst/>
           </a:prstGeom>
           <a:ln>
+            <a:solidFill>
+              <a:schemeClr val="accent1"/>
+            </a:solidFill>
             <a:tailEnd type="triangle"/>
           </a:ln>
         </p:spPr>
@@ -7937,9 +7946,9 @@
           <p:nvPr/>
         </p:nvCxnSpPr>
         <p:spPr>
-          <a:xfrm flipH="1">
-            <a:off x="6848232" y="4335362"/>
-            <a:ext cx="249170" cy="85181"/>
+          <a:xfrm flipH="1" flipV="1">
+            <a:off x="6848232" y="4420543"/>
+            <a:ext cx="249170" cy="41819"/>
           </a:xfrm>
           <a:prstGeom prst="straightConnector1">
             <a:avLst/>
